--- a/Document/멀티쓰레드 렌더링_PT.pptx
+++ b/Document/멀티쓰레드 렌더링_PT.pptx
@@ -6,6 +6,9 @@
   </p:sldMasterIdLst>
   <p:sldIdLst>
     <p:sldId id="256" r:id="rId2"/>
+    <p:sldId id="257" r:id="rId3"/>
+    <p:sldId id="259" r:id="rId4"/>
+    <p:sldId id="258" r:id="rId5"/>
   </p:sldIdLst>
   <p:sldSz cx="12192000" cy="6858000"/>
   <p:notesSz cx="6858000" cy="9144000"/>
@@ -104,6 +107,11 @@
       </a:defRPr>
     </a:lvl9pPr>
   </p:defaultTextStyle>
+  <p:extLst>
+    <p:ext uri="{EFAFB233-063F-42B5-8137-9DF3F51BA10A}">
+      <p15:sldGuideLst xmlns:p15="http://schemas.microsoft.com/office/powerpoint/2012/main"/>
+    </p:ext>
+  </p:extLst>
 </p:presentation>
 </file>
 
@@ -457,7 +465,397 @@
 </c:chartSpace>
 </file>
 
+<file path=ppt/charts/chart2.xml><?xml version="1.0" encoding="utf-8"?>
+<c:chartSpace xmlns:c="http://schemas.openxmlformats.org/drawingml/2006/chart" xmlns:a="http://schemas.openxmlformats.org/drawingml/2006/main" xmlns:r="http://schemas.openxmlformats.org/officeDocument/2006/relationships" xmlns:c16r2="http://schemas.microsoft.com/office/drawing/2015/06/chart">
+  <c:date1904 val="0"/>
+  <c:lang val="ko-KR"/>
+  <c:roundedCorners val="0"/>
+  <mc:AlternateContent xmlns:mc="http://schemas.openxmlformats.org/markup-compatibility/2006">
+    <mc:Choice xmlns:c14="http://schemas.microsoft.com/office/drawing/2007/8/2/chart" Requires="c14">
+      <c14:style val="102"/>
+    </mc:Choice>
+    <mc:Fallback>
+      <c:style val="2"/>
+    </mc:Fallback>
+  </mc:AlternateContent>
+  <c:chart>
+    <c:autoTitleDeleted val="1"/>
+    <c:plotArea>
+      <c:layout/>
+      <c:barChart>
+        <c:barDir val="col"/>
+        <c:grouping val="clustered"/>
+        <c:varyColors val="0"/>
+        <c:ser>
+          <c:idx val="0"/>
+          <c:order val="0"/>
+          <c:tx>
+            <c:strRef>
+              <c:f>Sheet1!$B$1</c:f>
+              <c:strCache>
+                <c:ptCount val="1"/>
+                <c:pt idx="0">
+                  <c:v>성능</c:v>
+                </c:pt>
+              </c:strCache>
+            </c:strRef>
+          </c:tx>
+          <c:spPr>
+            <a:solidFill>
+              <a:srgbClr val="9DC3E6"/>
+            </a:solidFill>
+            <a:ln>
+              <a:noFill/>
+            </a:ln>
+            <a:effectLst/>
+          </c:spPr>
+          <c:invertIfNegative val="0"/>
+          <c:dLbls>
+            <c:spPr>
+              <a:noFill/>
+              <a:ln>
+                <a:noFill/>
+              </a:ln>
+              <a:effectLst/>
+            </c:spPr>
+            <c:txPr>
+              <a:bodyPr rot="0" spcFirstLastPara="1" vertOverflow="ellipsis" vert="horz" wrap="square" anchor="ctr" anchorCtr="1"/>
+              <a:lstStyle/>
+              <a:p>
+                <a:pPr>
+                  <a:defRPr sz="1197" b="0" i="0" u="none" strike="noStrike" kern="1200" baseline="0">
+                    <a:solidFill>
+                      <a:schemeClr val="tx1"/>
+                    </a:solidFill>
+                    <a:latin typeface="에스코어 드림 4 Regular" panose="020B0503030302020204" pitchFamily="34" charset="-127"/>
+                    <a:ea typeface="에스코어 드림 4 Regular" panose="020B0503030302020204" pitchFamily="34" charset="-127"/>
+                    <a:cs typeface="+mn-cs"/>
+                  </a:defRPr>
+                </a:pPr>
+                <a:endParaRPr lang="ko-KR"/>
+              </a:p>
+            </c:txPr>
+            <c:dLblPos val="outEnd"/>
+            <c:showLegendKey val="0"/>
+            <c:showVal val="1"/>
+            <c:showCatName val="0"/>
+            <c:showSerName val="0"/>
+            <c:showPercent val="0"/>
+            <c:showBubbleSize val="0"/>
+            <c:showLeaderLines val="0"/>
+            <c:extLst>
+              <c:ext xmlns:c15="http://schemas.microsoft.com/office/drawing/2012/chart" uri="{CE6537A1-D6FC-4f65-9D91-7224C49458BB}">
+                <c15:showLeaderLines val="1"/>
+                <c15:leaderLines>
+                  <c:spPr>
+                    <a:ln w="9525" cap="flat" cmpd="sng" algn="ctr">
+                      <a:solidFill>
+                        <a:schemeClr val="tx1">
+                          <a:lumMod val="35000"/>
+                          <a:lumOff val="65000"/>
+                        </a:schemeClr>
+                      </a:solidFill>
+                      <a:round/>
+                    </a:ln>
+                    <a:effectLst/>
+                  </c:spPr>
+                </c15:leaderLines>
+              </c:ext>
+            </c:extLst>
+          </c:dLbls>
+          <c:cat>
+            <c:strRef>
+              <c:f>Sheet1!$A$2:$A$4</c:f>
+              <c:strCache>
+                <c:ptCount val="3"/>
+                <c:pt idx="0">
+                  <c:v>싱글스레드</c:v>
+                </c:pt>
+                <c:pt idx="1">
+                  <c:v>로직+렌더</c:v>
+                </c:pt>
+                <c:pt idx="2">
+                  <c:v>로직+렌더+렌더</c:v>
+                </c:pt>
+              </c:strCache>
+            </c:strRef>
+          </c:cat>
+          <c:val>
+            <c:numRef>
+              <c:f>Sheet1!$B$2:$B$4</c:f>
+              <c:numCache>
+                <c:formatCode>General</c:formatCode>
+                <c:ptCount val="3"/>
+                <c:pt idx="0">
+                  <c:v>51</c:v>
+                </c:pt>
+                <c:pt idx="1">
+                  <c:v>72</c:v>
+                </c:pt>
+                <c:pt idx="2">
+                  <c:v>112</c:v>
+                </c:pt>
+              </c:numCache>
+            </c:numRef>
+          </c:val>
+          <c:extLst>
+            <c:ext xmlns:c16="http://schemas.microsoft.com/office/drawing/2014/chart" uri="{C3380CC4-5D6E-409C-BE32-E72D297353CC}">
+              <c16:uniqueId val="{00000000-9C8D-41CA-90F9-6032DCBA7C23}"/>
+            </c:ext>
+          </c:extLst>
+        </c:ser>
+        <c:dLbls>
+          <c:showLegendKey val="0"/>
+          <c:showVal val="0"/>
+          <c:showCatName val="0"/>
+          <c:showSerName val="0"/>
+          <c:showPercent val="0"/>
+          <c:showBubbleSize val="0"/>
+        </c:dLbls>
+        <c:gapWidth val="219"/>
+        <c:overlap val="-27"/>
+        <c:axId val="1096093408"/>
+        <c:axId val="1096102048"/>
+      </c:barChart>
+      <c:catAx>
+        <c:axId val="1096093408"/>
+        <c:scaling>
+          <c:orientation val="minMax"/>
+        </c:scaling>
+        <c:delete val="0"/>
+        <c:axPos val="b"/>
+        <c:numFmt formatCode="General" sourceLinked="1"/>
+        <c:majorTickMark val="none"/>
+        <c:minorTickMark val="none"/>
+        <c:tickLblPos val="nextTo"/>
+        <c:spPr>
+          <a:noFill/>
+          <a:ln w="9525" cap="flat" cmpd="sng" algn="ctr">
+            <a:solidFill>
+              <a:schemeClr val="tx1">
+                <a:lumMod val="15000"/>
+                <a:lumOff val="85000"/>
+              </a:schemeClr>
+            </a:solidFill>
+            <a:round/>
+          </a:ln>
+          <a:effectLst/>
+        </c:spPr>
+        <c:txPr>
+          <a:bodyPr rot="-60000000" spcFirstLastPara="1" vertOverflow="ellipsis" vert="horz" wrap="square" anchor="ctr" anchorCtr="1"/>
+          <a:lstStyle/>
+          <a:p>
+            <a:pPr>
+              <a:defRPr sz="1197" b="0" i="0" u="none" strike="noStrike" kern="1200" baseline="0">
+                <a:solidFill>
+                  <a:schemeClr val="tx1"/>
+                </a:solidFill>
+                <a:latin typeface="에스코어 드림 4 Regular" panose="020B0503030302020204" pitchFamily="34" charset="-127"/>
+                <a:ea typeface="에스코어 드림 4 Regular" panose="020B0503030302020204" pitchFamily="34" charset="-127"/>
+                <a:cs typeface="+mn-cs"/>
+              </a:defRPr>
+            </a:pPr>
+            <a:endParaRPr lang="ko-KR"/>
+          </a:p>
+        </c:txPr>
+        <c:crossAx val="1096102048"/>
+        <c:crosses val="autoZero"/>
+        <c:auto val="1"/>
+        <c:lblAlgn val="ctr"/>
+        <c:lblOffset val="100"/>
+        <c:noMultiLvlLbl val="0"/>
+      </c:catAx>
+      <c:valAx>
+        <c:axId val="1096102048"/>
+        <c:scaling>
+          <c:orientation val="minMax"/>
+        </c:scaling>
+        <c:delete val="0"/>
+        <c:axPos val="l"/>
+        <c:majorGridlines>
+          <c:spPr>
+            <a:ln w="9525" cap="flat" cmpd="sng" algn="ctr">
+              <a:solidFill>
+                <a:schemeClr val="tx1">
+                  <a:lumMod val="15000"/>
+                  <a:lumOff val="85000"/>
+                </a:schemeClr>
+              </a:solidFill>
+              <a:round/>
+            </a:ln>
+            <a:effectLst/>
+          </c:spPr>
+        </c:majorGridlines>
+        <c:title>
+          <c:tx>
+            <c:rich>
+              <a:bodyPr rot="-5400000" spcFirstLastPara="1" vertOverflow="ellipsis" vert="horz" wrap="square" anchor="ctr" anchorCtr="1"/>
+              <a:lstStyle/>
+              <a:p>
+                <a:pPr>
+                  <a:defRPr sz="1330" b="0" i="0" u="none" strike="noStrike" kern="1200" baseline="0">
+                    <a:solidFill>
+                      <a:schemeClr val="tx1"/>
+                    </a:solidFill>
+                    <a:latin typeface="에스코어 드림 4 Regular" panose="020B0503030302020204" pitchFamily="34" charset="-127"/>
+                    <a:ea typeface="에스코어 드림 4 Regular" panose="020B0503030302020204" pitchFamily="34" charset="-127"/>
+                    <a:cs typeface="+mn-cs"/>
+                  </a:defRPr>
+                </a:pPr>
+                <a:r>
+                  <a:rPr lang="en-US"/>
+                  <a:t>FPS</a:t>
+                </a:r>
+              </a:p>
+            </c:rich>
+          </c:tx>
+          <c:overlay val="0"/>
+          <c:spPr>
+            <a:noFill/>
+            <a:ln>
+              <a:noFill/>
+            </a:ln>
+            <a:effectLst/>
+          </c:spPr>
+          <c:txPr>
+            <a:bodyPr rot="-5400000" spcFirstLastPara="1" vertOverflow="ellipsis" vert="horz" wrap="square" anchor="ctr" anchorCtr="1"/>
+            <a:lstStyle/>
+            <a:p>
+              <a:pPr>
+                <a:defRPr sz="1330" b="0" i="0" u="none" strike="noStrike" kern="1200" baseline="0">
+                  <a:solidFill>
+                    <a:schemeClr val="tx1"/>
+                  </a:solidFill>
+                  <a:latin typeface="에스코어 드림 4 Regular" panose="020B0503030302020204" pitchFamily="34" charset="-127"/>
+                  <a:ea typeface="에스코어 드림 4 Regular" panose="020B0503030302020204" pitchFamily="34" charset="-127"/>
+                  <a:cs typeface="+mn-cs"/>
+                </a:defRPr>
+              </a:pPr>
+              <a:endParaRPr lang="ko-KR"/>
+            </a:p>
+          </c:txPr>
+        </c:title>
+        <c:numFmt formatCode="General" sourceLinked="1"/>
+        <c:majorTickMark val="none"/>
+        <c:minorTickMark val="none"/>
+        <c:tickLblPos val="nextTo"/>
+        <c:spPr>
+          <a:noFill/>
+          <a:ln>
+            <a:noFill/>
+          </a:ln>
+          <a:effectLst/>
+        </c:spPr>
+        <c:txPr>
+          <a:bodyPr rot="-60000000" spcFirstLastPara="1" vertOverflow="ellipsis" vert="horz" wrap="square" anchor="ctr" anchorCtr="1"/>
+          <a:lstStyle/>
+          <a:p>
+            <a:pPr>
+              <a:defRPr sz="1197" b="0" i="0" u="none" strike="noStrike" kern="1200" baseline="0">
+                <a:solidFill>
+                  <a:schemeClr val="tx1"/>
+                </a:solidFill>
+                <a:latin typeface="에스코어 드림 4 Regular" panose="020B0503030302020204" pitchFamily="34" charset="-127"/>
+                <a:ea typeface="에스코어 드림 4 Regular" panose="020B0503030302020204" pitchFamily="34" charset="-127"/>
+                <a:cs typeface="+mn-cs"/>
+              </a:defRPr>
+            </a:pPr>
+            <a:endParaRPr lang="ko-KR"/>
+          </a:p>
+        </c:txPr>
+        <c:crossAx val="1096093408"/>
+        <c:crosses val="autoZero"/>
+        <c:crossBetween val="between"/>
+      </c:valAx>
+      <c:spPr>
+        <a:noFill/>
+        <a:ln>
+          <a:noFill/>
+        </a:ln>
+        <a:effectLst/>
+      </c:spPr>
+    </c:plotArea>
+    <c:plotVisOnly val="1"/>
+    <c:dispBlanksAs val="gap"/>
+    <c:extLst>
+      <c:ext xmlns:c16r3="http://schemas.microsoft.com/office/drawing/2017/03/chart" uri="{56B9EC1D-385E-4148-901F-78D8002777C0}">
+        <c16r3:dataDisplayOptions16>
+          <c16r3:dispNaAsBlank val="1"/>
+        </c16r3:dataDisplayOptions16>
+      </c:ext>
+    </c:extLst>
+    <c:showDLblsOverMax val="0"/>
+  </c:chart>
+  <c:spPr>
+    <a:noFill/>
+    <a:ln>
+      <a:noFill/>
+    </a:ln>
+    <a:effectLst/>
+  </c:spPr>
+  <c:txPr>
+    <a:bodyPr/>
+    <a:lstStyle/>
+    <a:p>
+      <a:pPr>
+        <a:defRPr>
+          <a:solidFill>
+            <a:schemeClr val="tx1"/>
+          </a:solidFill>
+          <a:latin typeface="에스코어 드림 4 Regular" panose="020B0503030302020204" pitchFamily="34" charset="-127"/>
+          <a:ea typeface="에스코어 드림 4 Regular" panose="020B0503030302020204" pitchFamily="34" charset="-127"/>
+        </a:defRPr>
+      </a:pPr>
+      <a:endParaRPr lang="ko-KR"/>
+    </a:p>
+  </c:txPr>
+  <c:externalData r:id="rId3">
+    <c:autoUpdate val="0"/>
+  </c:externalData>
+</c:chartSpace>
+</file>
+
 <file path=ppt/charts/colors1.xml><?xml version="1.0" encoding="utf-8"?>
+<cs:colorStyle xmlns:cs="http://schemas.microsoft.com/office/drawing/2012/chartStyle" xmlns:a="http://schemas.openxmlformats.org/drawingml/2006/main" meth="cycle" id="10">
+  <a:schemeClr val="accent1"/>
+  <a:schemeClr val="accent2"/>
+  <a:schemeClr val="accent3"/>
+  <a:schemeClr val="accent4"/>
+  <a:schemeClr val="accent5"/>
+  <a:schemeClr val="accent6"/>
+  <cs:variation/>
+  <cs:variation>
+    <a:lumMod val="60000"/>
+  </cs:variation>
+  <cs:variation>
+    <a:lumMod val="80000"/>
+    <a:lumOff val="20000"/>
+  </cs:variation>
+  <cs:variation>
+    <a:lumMod val="80000"/>
+  </cs:variation>
+  <cs:variation>
+    <a:lumMod val="60000"/>
+    <a:lumOff val="40000"/>
+  </cs:variation>
+  <cs:variation>
+    <a:lumMod val="50000"/>
+  </cs:variation>
+  <cs:variation>
+    <a:lumMod val="70000"/>
+    <a:lumOff val="30000"/>
+  </cs:variation>
+  <cs:variation>
+    <a:lumMod val="70000"/>
+  </cs:variation>
+  <cs:variation>
+    <a:lumMod val="50000"/>
+    <a:lumOff val="50000"/>
+  </cs:variation>
+</cs:colorStyle>
+</file>
+
+<file path=ppt/charts/colors2.xml><?xml version="1.0" encoding="utf-8"?>
 <cs:colorStyle xmlns:cs="http://schemas.microsoft.com/office/drawing/2012/chartStyle" xmlns:a="http://schemas.openxmlformats.org/drawingml/2006/main" meth="cycle" id="10">
   <a:schemeClr val="accent1"/>
   <a:schemeClr val="accent2"/>
@@ -1000,6 +1398,509 @@
 </cs:chartStyle>
 </file>
 
+<file path=ppt/charts/style2.xml><?xml version="1.0" encoding="utf-8"?>
+<cs:chartStyle xmlns:cs="http://schemas.microsoft.com/office/drawing/2012/chartStyle" xmlns:a="http://schemas.openxmlformats.org/drawingml/2006/main" id="201">
+  <cs:axisTitle>
+    <cs:lnRef idx="0"/>
+    <cs:fillRef idx="0"/>
+    <cs:effectRef idx="0"/>
+    <cs:fontRef idx="minor">
+      <a:schemeClr val="tx1">
+        <a:lumMod val="65000"/>
+        <a:lumOff val="35000"/>
+      </a:schemeClr>
+    </cs:fontRef>
+    <cs:defRPr sz="1330" kern="1200"/>
+  </cs:axisTitle>
+  <cs:categoryAxis>
+    <cs:lnRef idx="0"/>
+    <cs:fillRef idx="0"/>
+    <cs:effectRef idx="0"/>
+    <cs:fontRef idx="minor">
+      <a:schemeClr val="tx1">
+        <a:lumMod val="65000"/>
+        <a:lumOff val="35000"/>
+      </a:schemeClr>
+    </cs:fontRef>
+    <cs:spPr>
+      <a:ln w="9525" cap="flat" cmpd="sng" algn="ctr">
+        <a:solidFill>
+          <a:schemeClr val="tx1">
+            <a:lumMod val="15000"/>
+            <a:lumOff val="85000"/>
+          </a:schemeClr>
+        </a:solidFill>
+        <a:round/>
+      </a:ln>
+    </cs:spPr>
+    <cs:defRPr sz="1197" kern="1200"/>
+  </cs:categoryAxis>
+  <cs:chartArea mods="allowNoFillOverride allowNoLineOverride">
+    <cs:lnRef idx="0"/>
+    <cs:fillRef idx="0"/>
+    <cs:effectRef idx="0"/>
+    <cs:fontRef idx="minor">
+      <a:schemeClr val="tx1"/>
+    </cs:fontRef>
+    <cs:spPr>
+      <a:solidFill>
+        <a:schemeClr val="bg1"/>
+      </a:solidFill>
+      <a:ln w="9525" cap="flat" cmpd="sng" algn="ctr">
+        <a:solidFill>
+          <a:schemeClr val="tx1">
+            <a:lumMod val="15000"/>
+            <a:lumOff val="85000"/>
+          </a:schemeClr>
+        </a:solidFill>
+        <a:round/>
+      </a:ln>
+    </cs:spPr>
+    <cs:defRPr sz="1330" kern="1200"/>
+  </cs:chartArea>
+  <cs:dataLabel>
+    <cs:lnRef idx="0"/>
+    <cs:fillRef idx="0"/>
+    <cs:effectRef idx="0"/>
+    <cs:fontRef idx="minor">
+      <a:schemeClr val="tx1">
+        <a:lumMod val="75000"/>
+        <a:lumOff val="25000"/>
+      </a:schemeClr>
+    </cs:fontRef>
+    <cs:defRPr sz="1197" kern="1200"/>
+  </cs:dataLabel>
+  <cs:dataLabelCallout>
+    <cs:lnRef idx="0"/>
+    <cs:fillRef idx="0"/>
+    <cs:effectRef idx="0"/>
+    <cs:fontRef idx="minor">
+      <a:schemeClr val="dk1">
+        <a:lumMod val="65000"/>
+        <a:lumOff val="35000"/>
+      </a:schemeClr>
+    </cs:fontRef>
+    <cs:spPr>
+      <a:solidFill>
+        <a:schemeClr val="lt1"/>
+      </a:solidFill>
+      <a:ln>
+        <a:solidFill>
+          <a:schemeClr val="dk1">
+            <a:lumMod val="25000"/>
+            <a:lumOff val="75000"/>
+          </a:schemeClr>
+        </a:solidFill>
+      </a:ln>
+    </cs:spPr>
+    <cs:defRPr sz="1197" kern="1200"/>
+    <cs:bodyPr rot="0" spcFirstLastPara="1" vertOverflow="clip" horzOverflow="clip" vert="horz" wrap="square" lIns="36576" tIns="18288" rIns="36576" bIns="18288" anchor="ctr" anchorCtr="1">
+      <a:spAutoFit/>
+    </cs:bodyPr>
+  </cs:dataLabelCallout>
+  <cs:dataPoint>
+    <cs:lnRef idx="0"/>
+    <cs:fillRef idx="1">
+      <cs:styleClr val="auto"/>
+    </cs:fillRef>
+    <cs:effectRef idx="0"/>
+    <cs:fontRef idx="minor">
+      <a:schemeClr val="tx1"/>
+    </cs:fontRef>
+  </cs:dataPoint>
+  <cs:dataPoint3D>
+    <cs:lnRef idx="0"/>
+    <cs:fillRef idx="1">
+      <cs:styleClr val="auto"/>
+    </cs:fillRef>
+    <cs:effectRef idx="0"/>
+    <cs:fontRef idx="minor">
+      <a:schemeClr val="tx1"/>
+    </cs:fontRef>
+  </cs:dataPoint3D>
+  <cs:dataPointLine>
+    <cs:lnRef idx="0">
+      <cs:styleClr val="auto"/>
+    </cs:lnRef>
+    <cs:fillRef idx="1"/>
+    <cs:effectRef idx="0"/>
+    <cs:fontRef idx="minor">
+      <a:schemeClr val="tx1"/>
+    </cs:fontRef>
+    <cs:spPr>
+      <a:ln w="28575" cap="rnd">
+        <a:solidFill>
+          <a:schemeClr val="phClr"/>
+        </a:solidFill>
+        <a:round/>
+      </a:ln>
+    </cs:spPr>
+  </cs:dataPointLine>
+  <cs:dataPointMarker>
+    <cs:lnRef idx="0">
+      <cs:styleClr val="auto"/>
+    </cs:lnRef>
+    <cs:fillRef idx="1">
+      <cs:styleClr val="auto"/>
+    </cs:fillRef>
+    <cs:effectRef idx="0"/>
+    <cs:fontRef idx="minor">
+      <a:schemeClr val="tx1"/>
+    </cs:fontRef>
+    <cs:spPr>
+      <a:ln w="9525">
+        <a:solidFill>
+          <a:schemeClr val="phClr"/>
+        </a:solidFill>
+      </a:ln>
+    </cs:spPr>
+  </cs:dataPointMarker>
+  <cs:dataPointMarkerLayout symbol="circle" size="5"/>
+  <cs:dataPointWireframe>
+    <cs:lnRef idx="0">
+      <cs:styleClr val="auto"/>
+    </cs:lnRef>
+    <cs:fillRef idx="1"/>
+    <cs:effectRef idx="0"/>
+    <cs:fontRef idx="minor">
+      <a:schemeClr val="tx1"/>
+    </cs:fontRef>
+    <cs:spPr>
+      <a:ln w="9525" cap="rnd">
+        <a:solidFill>
+          <a:schemeClr val="phClr"/>
+        </a:solidFill>
+        <a:round/>
+      </a:ln>
+    </cs:spPr>
+  </cs:dataPointWireframe>
+  <cs:dataTable>
+    <cs:lnRef idx="0"/>
+    <cs:fillRef idx="0"/>
+    <cs:effectRef idx="0"/>
+    <cs:fontRef idx="minor">
+      <a:schemeClr val="tx1">
+        <a:lumMod val="65000"/>
+        <a:lumOff val="35000"/>
+      </a:schemeClr>
+    </cs:fontRef>
+    <cs:spPr>
+      <a:noFill/>
+      <a:ln w="9525" cap="flat" cmpd="sng" algn="ctr">
+        <a:solidFill>
+          <a:schemeClr val="tx1">
+            <a:lumMod val="15000"/>
+            <a:lumOff val="85000"/>
+          </a:schemeClr>
+        </a:solidFill>
+        <a:round/>
+      </a:ln>
+    </cs:spPr>
+    <cs:defRPr sz="1197" kern="1200"/>
+  </cs:dataTable>
+  <cs:downBar>
+    <cs:lnRef idx="0"/>
+    <cs:fillRef idx="0"/>
+    <cs:effectRef idx="0"/>
+    <cs:fontRef idx="minor">
+      <a:schemeClr val="dk1"/>
+    </cs:fontRef>
+    <cs:spPr>
+      <a:solidFill>
+        <a:schemeClr val="dk1">
+          <a:lumMod val="65000"/>
+          <a:lumOff val="35000"/>
+        </a:schemeClr>
+      </a:solidFill>
+      <a:ln w="9525">
+        <a:solidFill>
+          <a:schemeClr val="tx1">
+            <a:lumMod val="65000"/>
+            <a:lumOff val="35000"/>
+          </a:schemeClr>
+        </a:solidFill>
+      </a:ln>
+    </cs:spPr>
+  </cs:downBar>
+  <cs:dropLine>
+    <cs:lnRef idx="0"/>
+    <cs:fillRef idx="0"/>
+    <cs:effectRef idx="0"/>
+    <cs:fontRef idx="minor">
+      <a:schemeClr val="tx1"/>
+    </cs:fontRef>
+    <cs:spPr>
+      <a:ln w="9525" cap="flat" cmpd="sng" algn="ctr">
+        <a:solidFill>
+          <a:schemeClr val="tx1">
+            <a:lumMod val="35000"/>
+            <a:lumOff val="65000"/>
+          </a:schemeClr>
+        </a:solidFill>
+        <a:round/>
+      </a:ln>
+    </cs:spPr>
+  </cs:dropLine>
+  <cs:errorBar>
+    <cs:lnRef idx="0"/>
+    <cs:fillRef idx="0"/>
+    <cs:effectRef idx="0"/>
+    <cs:fontRef idx="minor">
+      <a:schemeClr val="tx1"/>
+    </cs:fontRef>
+    <cs:spPr>
+      <a:ln w="9525" cap="flat" cmpd="sng" algn="ctr">
+        <a:solidFill>
+          <a:schemeClr val="tx1">
+            <a:lumMod val="65000"/>
+            <a:lumOff val="35000"/>
+          </a:schemeClr>
+        </a:solidFill>
+        <a:round/>
+      </a:ln>
+    </cs:spPr>
+  </cs:errorBar>
+  <cs:floor>
+    <cs:lnRef idx="0"/>
+    <cs:fillRef idx="0"/>
+    <cs:effectRef idx="0"/>
+    <cs:fontRef idx="minor">
+      <a:schemeClr val="tx1"/>
+    </cs:fontRef>
+    <cs:spPr>
+      <a:noFill/>
+      <a:ln>
+        <a:noFill/>
+      </a:ln>
+    </cs:spPr>
+  </cs:floor>
+  <cs:gridlineMajor>
+    <cs:lnRef idx="0"/>
+    <cs:fillRef idx="0"/>
+    <cs:effectRef idx="0"/>
+    <cs:fontRef idx="minor">
+      <a:schemeClr val="tx1"/>
+    </cs:fontRef>
+    <cs:spPr>
+      <a:ln w="9525" cap="flat" cmpd="sng" algn="ctr">
+        <a:solidFill>
+          <a:schemeClr val="tx1">
+            <a:lumMod val="15000"/>
+            <a:lumOff val="85000"/>
+          </a:schemeClr>
+        </a:solidFill>
+        <a:round/>
+      </a:ln>
+    </cs:spPr>
+  </cs:gridlineMajor>
+  <cs:gridlineMinor>
+    <cs:lnRef idx="0"/>
+    <cs:fillRef idx="0"/>
+    <cs:effectRef idx="0"/>
+    <cs:fontRef idx="minor">
+      <a:schemeClr val="tx1"/>
+    </cs:fontRef>
+    <cs:spPr>
+      <a:ln w="9525" cap="flat" cmpd="sng" algn="ctr">
+        <a:solidFill>
+          <a:schemeClr val="tx1">
+            <a:lumMod val="5000"/>
+            <a:lumOff val="95000"/>
+          </a:schemeClr>
+        </a:solidFill>
+        <a:round/>
+      </a:ln>
+    </cs:spPr>
+  </cs:gridlineMinor>
+  <cs:hiLoLine>
+    <cs:lnRef idx="0"/>
+    <cs:fillRef idx="0"/>
+    <cs:effectRef idx="0"/>
+    <cs:fontRef idx="minor">
+      <a:schemeClr val="tx1"/>
+    </cs:fontRef>
+    <cs:spPr>
+      <a:ln w="9525" cap="flat" cmpd="sng" algn="ctr">
+        <a:solidFill>
+          <a:schemeClr val="tx1">
+            <a:lumMod val="75000"/>
+            <a:lumOff val="25000"/>
+          </a:schemeClr>
+        </a:solidFill>
+        <a:round/>
+      </a:ln>
+    </cs:spPr>
+  </cs:hiLoLine>
+  <cs:leaderLine>
+    <cs:lnRef idx="0"/>
+    <cs:fillRef idx="0"/>
+    <cs:effectRef idx="0"/>
+    <cs:fontRef idx="minor">
+      <a:schemeClr val="tx1"/>
+    </cs:fontRef>
+    <cs:spPr>
+      <a:ln w="9525" cap="flat" cmpd="sng" algn="ctr">
+        <a:solidFill>
+          <a:schemeClr val="tx1">
+            <a:lumMod val="35000"/>
+            <a:lumOff val="65000"/>
+          </a:schemeClr>
+        </a:solidFill>
+        <a:round/>
+      </a:ln>
+    </cs:spPr>
+  </cs:leaderLine>
+  <cs:legend>
+    <cs:lnRef idx="0"/>
+    <cs:fillRef idx="0"/>
+    <cs:effectRef idx="0"/>
+    <cs:fontRef idx="minor">
+      <a:schemeClr val="tx1">
+        <a:lumMod val="65000"/>
+        <a:lumOff val="35000"/>
+      </a:schemeClr>
+    </cs:fontRef>
+    <cs:defRPr sz="1197" kern="1200"/>
+  </cs:legend>
+  <cs:plotArea mods="allowNoFillOverride allowNoLineOverride">
+    <cs:lnRef idx="0"/>
+    <cs:fillRef idx="0"/>
+    <cs:effectRef idx="0"/>
+    <cs:fontRef idx="minor">
+      <a:schemeClr val="tx1"/>
+    </cs:fontRef>
+  </cs:plotArea>
+  <cs:plotArea3D mods="allowNoFillOverride allowNoLineOverride">
+    <cs:lnRef idx="0"/>
+    <cs:fillRef idx="0"/>
+    <cs:effectRef idx="0"/>
+    <cs:fontRef idx="minor">
+      <a:schemeClr val="tx1"/>
+    </cs:fontRef>
+  </cs:plotArea3D>
+  <cs:seriesAxis>
+    <cs:lnRef idx="0"/>
+    <cs:fillRef idx="0"/>
+    <cs:effectRef idx="0"/>
+    <cs:fontRef idx="minor">
+      <a:schemeClr val="tx1">
+        <a:lumMod val="65000"/>
+        <a:lumOff val="35000"/>
+      </a:schemeClr>
+    </cs:fontRef>
+    <cs:defRPr sz="1197" kern="1200"/>
+  </cs:seriesAxis>
+  <cs:seriesLine>
+    <cs:lnRef idx="0"/>
+    <cs:fillRef idx="0"/>
+    <cs:effectRef idx="0"/>
+    <cs:fontRef idx="minor">
+      <a:schemeClr val="tx1"/>
+    </cs:fontRef>
+    <cs:spPr>
+      <a:ln w="9525" cap="flat" cmpd="sng" algn="ctr">
+        <a:solidFill>
+          <a:schemeClr val="tx1">
+            <a:lumMod val="35000"/>
+            <a:lumOff val="65000"/>
+          </a:schemeClr>
+        </a:solidFill>
+        <a:round/>
+      </a:ln>
+    </cs:spPr>
+  </cs:seriesLine>
+  <cs:title>
+    <cs:lnRef idx="0"/>
+    <cs:fillRef idx="0"/>
+    <cs:effectRef idx="0"/>
+    <cs:fontRef idx="minor">
+      <a:schemeClr val="tx1">
+        <a:lumMod val="65000"/>
+        <a:lumOff val="35000"/>
+      </a:schemeClr>
+    </cs:fontRef>
+    <cs:defRPr sz="1862" b="0" kern="1200" spc="0" baseline="0"/>
+  </cs:title>
+  <cs:trendline>
+    <cs:lnRef idx="0">
+      <cs:styleClr val="auto"/>
+    </cs:lnRef>
+    <cs:fillRef idx="0"/>
+    <cs:effectRef idx="0"/>
+    <cs:fontRef idx="minor">
+      <a:schemeClr val="tx1"/>
+    </cs:fontRef>
+    <cs:spPr>
+      <a:ln w="19050" cap="rnd">
+        <a:solidFill>
+          <a:schemeClr val="phClr"/>
+        </a:solidFill>
+        <a:prstDash val="sysDot"/>
+      </a:ln>
+    </cs:spPr>
+  </cs:trendline>
+  <cs:trendlineLabel>
+    <cs:lnRef idx="0"/>
+    <cs:fillRef idx="0"/>
+    <cs:effectRef idx="0"/>
+    <cs:fontRef idx="minor">
+      <a:schemeClr val="tx1">
+        <a:lumMod val="65000"/>
+        <a:lumOff val="35000"/>
+      </a:schemeClr>
+    </cs:fontRef>
+    <cs:defRPr sz="1197" kern="1200"/>
+  </cs:trendlineLabel>
+  <cs:upBar>
+    <cs:lnRef idx="0"/>
+    <cs:fillRef idx="0"/>
+    <cs:effectRef idx="0"/>
+    <cs:fontRef idx="minor">
+      <a:schemeClr val="dk1"/>
+    </cs:fontRef>
+    <cs:spPr>
+      <a:solidFill>
+        <a:schemeClr val="lt1"/>
+      </a:solidFill>
+      <a:ln w="9525">
+        <a:solidFill>
+          <a:schemeClr val="tx1">
+            <a:lumMod val="15000"/>
+            <a:lumOff val="85000"/>
+          </a:schemeClr>
+        </a:solidFill>
+      </a:ln>
+    </cs:spPr>
+  </cs:upBar>
+  <cs:valueAxis>
+    <cs:lnRef idx="0"/>
+    <cs:fillRef idx="0"/>
+    <cs:effectRef idx="0"/>
+    <cs:fontRef idx="minor">
+      <a:schemeClr val="tx1">
+        <a:lumMod val="65000"/>
+        <a:lumOff val="35000"/>
+      </a:schemeClr>
+    </cs:fontRef>
+    <cs:defRPr sz="1197" kern="1200"/>
+  </cs:valueAxis>
+  <cs:wall>
+    <cs:lnRef idx="0"/>
+    <cs:fillRef idx="0"/>
+    <cs:effectRef idx="0"/>
+    <cs:fontRef idx="minor">
+      <a:schemeClr val="tx1"/>
+    </cs:fontRef>
+    <cs:spPr>
+      <a:noFill/>
+      <a:ln>
+        <a:noFill/>
+      </a:ln>
+    </cs:spPr>
+  </cs:wall>
+</cs:chartStyle>
+</file>
+
 <file path=ppt/slideLayouts/slideLayout1.xml><?xml version="1.0" encoding="utf-8"?>
 <p:sldLayout xmlns:a="http://schemas.openxmlformats.org/drawingml/2006/main" xmlns:r="http://schemas.openxmlformats.org/officeDocument/2006/relationships" xmlns:p="http://schemas.openxmlformats.org/presentationml/2006/main" type="title" preserve="1">
   <p:cSld name="제목 슬라이드">
@@ -1147,7 +2048,7 @@
           <a:p>
             <a:fld id="{481215A8-7916-49F5-B45E-AD4CB8BA6D34}" type="datetimeFigureOut">
               <a:rPr lang="ko-KR" altLang="en-US" smtClean="0"/>
-              <a:t>2023-07-22</a:t>
+              <a:t>2023-08-20</a:t>
             </a:fld>
             <a:endParaRPr lang="ko-KR" altLang="en-US"/>
           </a:p>
@@ -1345,7 +2246,7 @@
           <a:p>
             <a:fld id="{481215A8-7916-49F5-B45E-AD4CB8BA6D34}" type="datetimeFigureOut">
               <a:rPr lang="ko-KR" altLang="en-US" smtClean="0"/>
-              <a:t>2023-07-22</a:t>
+              <a:t>2023-08-20</a:t>
             </a:fld>
             <a:endParaRPr lang="ko-KR" altLang="en-US"/>
           </a:p>
@@ -1553,7 +2454,7 @@
           <a:p>
             <a:fld id="{481215A8-7916-49F5-B45E-AD4CB8BA6D34}" type="datetimeFigureOut">
               <a:rPr lang="ko-KR" altLang="en-US" smtClean="0"/>
-              <a:t>2023-07-22</a:t>
+              <a:t>2023-08-20</a:t>
             </a:fld>
             <a:endParaRPr lang="ko-KR" altLang="en-US"/>
           </a:p>
@@ -1751,7 +2652,7 @@
           <a:p>
             <a:fld id="{481215A8-7916-49F5-B45E-AD4CB8BA6D34}" type="datetimeFigureOut">
               <a:rPr lang="ko-KR" altLang="en-US" smtClean="0"/>
-              <a:t>2023-07-22</a:t>
+              <a:t>2023-08-20</a:t>
             </a:fld>
             <a:endParaRPr lang="ko-KR" altLang="en-US"/>
           </a:p>
@@ -2026,7 +2927,7 @@
           <a:p>
             <a:fld id="{481215A8-7916-49F5-B45E-AD4CB8BA6D34}" type="datetimeFigureOut">
               <a:rPr lang="ko-KR" altLang="en-US" smtClean="0"/>
-              <a:t>2023-07-22</a:t>
+              <a:t>2023-08-20</a:t>
             </a:fld>
             <a:endParaRPr lang="ko-KR" altLang="en-US"/>
           </a:p>
@@ -2291,7 +3192,7 @@
           <a:p>
             <a:fld id="{481215A8-7916-49F5-B45E-AD4CB8BA6D34}" type="datetimeFigureOut">
               <a:rPr lang="ko-KR" altLang="en-US" smtClean="0"/>
-              <a:t>2023-07-22</a:t>
+              <a:t>2023-08-20</a:t>
             </a:fld>
             <a:endParaRPr lang="ko-KR" altLang="en-US"/>
           </a:p>
@@ -2703,7 +3604,7 @@
           <a:p>
             <a:fld id="{481215A8-7916-49F5-B45E-AD4CB8BA6D34}" type="datetimeFigureOut">
               <a:rPr lang="ko-KR" altLang="en-US" smtClean="0"/>
-              <a:t>2023-07-22</a:t>
+              <a:t>2023-08-20</a:t>
             </a:fld>
             <a:endParaRPr lang="ko-KR" altLang="en-US"/>
           </a:p>
@@ -2844,7 +3745,7 @@
           <a:p>
             <a:fld id="{481215A8-7916-49F5-B45E-AD4CB8BA6D34}" type="datetimeFigureOut">
               <a:rPr lang="ko-KR" altLang="en-US" smtClean="0"/>
-              <a:t>2023-07-22</a:t>
+              <a:t>2023-08-20</a:t>
             </a:fld>
             <a:endParaRPr lang="ko-KR" altLang="en-US"/>
           </a:p>
@@ -2957,7 +3858,7 @@
           <a:p>
             <a:fld id="{481215A8-7916-49F5-B45E-AD4CB8BA6D34}" type="datetimeFigureOut">
               <a:rPr lang="ko-KR" altLang="en-US" smtClean="0"/>
-              <a:t>2023-07-22</a:t>
+              <a:t>2023-08-20</a:t>
             </a:fld>
             <a:endParaRPr lang="ko-KR" altLang="en-US"/>
           </a:p>
@@ -3268,7 +4169,7 @@
           <a:p>
             <a:fld id="{481215A8-7916-49F5-B45E-AD4CB8BA6D34}" type="datetimeFigureOut">
               <a:rPr lang="ko-KR" altLang="en-US" smtClean="0"/>
-              <a:t>2023-07-22</a:t>
+              <a:t>2023-08-20</a:t>
             </a:fld>
             <a:endParaRPr lang="ko-KR" altLang="en-US"/>
           </a:p>
@@ -3556,7 +4457,7 @@
           <a:p>
             <a:fld id="{481215A8-7916-49F5-B45E-AD4CB8BA6D34}" type="datetimeFigureOut">
               <a:rPr lang="ko-KR" altLang="en-US" smtClean="0"/>
-              <a:t>2023-07-22</a:t>
+              <a:t>2023-08-20</a:t>
             </a:fld>
             <a:endParaRPr lang="ko-KR" altLang="en-US"/>
           </a:p>
@@ -3797,7 +4698,7 @@
           <a:p>
             <a:fld id="{481215A8-7916-49F5-B45E-AD4CB8BA6D34}" type="datetimeFigureOut">
               <a:rPr lang="ko-KR" altLang="en-US" smtClean="0"/>
-              <a:t>2023-07-22</a:t>
+              <a:t>2023-08-20</a:t>
             </a:fld>
             <a:endParaRPr lang="ko-KR" altLang="en-US"/>
           </a:p>
@@ -5846,6 +6747,3521 @@
 </p:sld>
 </file>
 
+<file path=ppt/slides/slide2.xml><?xml version="1.0" encoding="utf-8"?>
+<p:sld xmlns:a="http://schemas.openxmlformats.org/drawingml/2006/main" xmlns:r="http://schemas.openxmlformats.org/officeDocument/2006/relationships" xmlns:p="http://schemas.openxmlformats.org/presentationml/2006/main">
+  <p:cSld>
+    <p:spTree>
+      <p:nvGrpSpPr>
+        <p:cNvPr id="1" name=""/>
+        <p:cNvGrpSpPr/>
+        <p:nvPr/>
+      </p:nvGrpSpPr>
+      <p:grpSpPr>
+        <a:xfrm>
+          <a:off x="0" y="0"/>
+          <a:ext cx="0" cy="0"/>
+          <a:chOff x="0" y="0"/>
+          <a:chExt cx="0" cy="0"/>
+        </a:xfrm>
+      </p:grpSpPr>
+      <p:sp>
+        <p:nvSpPr>
+          <p:cNvPr id="13" name="화살표: 오각형 12">
+            <a:extLst>
+              <a:ext uri="{FF2B5EF4-FFF2-40B4-BE49-F238E27FC236}">
+                <a16:creationId xmlns:a16="http://schemas.microsoft.com/office/drawing/2014/main" id="{1BD72A0C-6DC3-4565-1ED2-8005B72EFA72}"/>
+              </a:ext>
+            </a:extLst>
+          </p:cNvPr>
+          <p:cNvSpPr/>
+          <p:nvPr/>
+        </p:nvSpPr>
+        <p:spPr>
+          <a:xfrm>
+            <a:off x="351303" y="950471"/>
+            <a:ext cx="1122466" cy="536637"/>
+          </a:xfrm>
+          <a:prstGeom prst="homePlate">
+            <a:avLst/>
+          </a:prstGeom>
+          <a:solidFill>
+            <a:schemeClr val="accent5">
+              <a:lumMod val="40000"/>
+              <a:lumOff val="60000"/>
+            </a:schemeClr>
+          </a:solidFill>
+          <a:ln>
+            <a:noFill/>
+          </a:ln>
+        </p:spPr>
+        <p:style>
+          <a:lnRef idx="2">
+            <a:schemeClr val="accent1">
+              <a:shade val="50000"/>
+            </a:schemeClr>
+          </a:lnRef>
+          <a:fillRef idx="1">
+            <a:schemeClr val="accent1"/>
+          </a:fillRef>
+          <a:effectRef idx="0">
+            <a:schemeClr val="accent1"/>
+          </a:effectRef>
+          <a:fontRef idx="minor">
+            <a:schemeClr val="lt1"/>
+          </a:fontRef>
+        </p:style>
+        <p:txBody>
+          <a:bodyPr rtlCol="0" anchor="ctr"/>
+          <a:lstStyle/>
+          <a:p>
+            <a:pPr algn="ctr"/>
+            <a:r>
+              <a:rPr lang="en-US" altLang="ko-KR" sz="1050" dirty="0">
+                <a:solidFill>
+                  <a:schemeClr val="tx1"/>
+                </a:solidFill>
+                <a:latin typeface="에스코어 드림 4 Regular" panose="020B0503030302020204" pitchFamily="34" charset="-127"/>
+                <a:ea typeface="에스코어 드림 4 Regular" panose="020B0503030302020204" pitchFamily="34" charset="-127"/>
+              </a:rPr>
+              <a:t>MAIN</a:t>
+            </a:r>
+          </a:p>
+          <a:p>
+            <a:pPr algn="ctr"/>
+            <a:r>
+              <a:rPr lang="en-US" altLang="ko-KR" sz="1050" dirty="0">
+                <a:solidFill>
+                  <a:schemeClr val="tx1"/>
+                </a:solidFill>
+                <a:latin typeface="에스코어 드림 4 Regular" panose="020B0503030302020204" pitchFamily="34" charset="-127"/>
+                <a:ea typeface="에스코어 드림 4 Regular" panose="020B0503030302020204" pitchFamily="34" charset="-127"/>
+              </a:rPr>
+              <a:t>THREAD</a:t>
+            </a:r>
+            <a:endParaRPr lang="ko-KR" altLang="en-US" sz="1050" dirty="0">
+              <a:solidFill>
+                <a:schemeClr val="tx1"/>
+              </a:solidFill>
+              <a:latin typeface="에스코어 드림 4 Regular" panose="020B0503030302020204" pitchFamily="34" charset="-127"/>
+              <a:ea typeface="에스코어 드림 4 Regular" panose="020B0503030302020204" pitchFamily="34" charset="-127"/>
+            </a:endParaRPr>
+          </a:p>
+        </p:txBody>
+      </p:sp>
+      <p:sp>
+        <p:nvSpPr>
+          <p:cNvPr id="14" name="화살표: 오각형 13">
+            <a:extLst>
+              <a:ext uri="{FF2B5EF4-FFF2-40B4-BE49-F238E27FC236}">
+                <a16:creationId xmlns:a16="http://schemas.microsoft.com/office/drawing/2014/main" id="{B361CB9B-7A6C-94CD-6763-0C4F918406FC}"/>
+              </a:ext>
+            </a:extLst>
+          </p:cNvPr>
+          <p:cNvSpPr/>
+          <p:nvPr/>
+        </p:nvSpPr>
+        <p:spPr>
+          <a:xfrm>
+            <a:off x="1295982" y="1556673"/>
+            <a:ext cx="1122466" cy="536637"/>
+          </a:xfrm>
+          <a:prstGeom prst="homePlate">
+            <a:avLst/>
+          </a:prstGeom>
+          <a:solidFill>
+            <a:schemeClr val="accent5">
+              <a:lumMod val="40000"/>
+              <a:lumOff val="60000"/>
+            </a:schemeClr>
+          </a:solidFill>
+          <a:ln>
+            <a:noFill/>
+          </a:ln>
+        </p:spPr>
+        <p:style>
+          <a:lnRef idx="2">
+            <a:schemeClr val="accent1">
+              <a:shade val="50000"/>
+            </a:schemeClr>
+          </a:lnRef>
+          <a:fillRef idx="1">
+            <a:schemeClr val="accent1"/>
+          </a:fillRef>
+          <a:effectRef idx="0">
+            <a:schemeClr val="accent1"/>
+          </a:effectRef>
+          <a:fontRef idx="minor">
+            <a:schemeClr val="lt1"/>
+          </a:fontRef>
+        </p:style>
+        <p:txBody>
+          <a:bodyPr rtlCol="0" anchor="ctr"/>
+          <a:lstStyle/>
+          <a:p>
+            <a:pPr algn="ctr"/>
+            <a:r>
+              <a:rPr lang="en-US" altLang="ko-KR" sz="1050" dirty="0">
+                <a:solidFill>
+                  <a:schemeClr val="tx1"/>
+                </a:solidFill>
+                <a:latin typeface="에스코어 드림 4 Regular" panose="020B0503030302020204" pitchFamily="34" charset="-127"/>
+                <a:ea typeface="에스코어 드림 4 Regular" panose="020B0503030302020204" pitchFamily="34" charset="-127"/>
+              </a:rPr>
+              <a:t>LOGIC</a:t>
+            </a:r>
+          </a:p>
+          <a:p>
+            <a:pPr algn="ctr"/>
+            <a:r>
+              <a:rPr lang="en-US" altLang="ko-KR" sz="1050" dirty="0">
+                <a:solidFill>
+                  <a:schemeClr val="tx1"/>
+                </a:solidFill>
+                <a:latin typeface="에스코어 드림 4 Regular" panose="020B0503030302020204" pitchFamily="34" charset="-127"/>
+                <a:ea typeface="에스코어 드림 4 Regular" panose="020B0503030302020204" pitchFamily="34" charset="-127"/>
+              </a:rPr>
+              <a:t>THREAD</a:t>
+            </a:r>
+            <a:endParaRPr lang="ko-KR" altLang="en-US" sz="1050" dirty="0">
+              <a:solidFill>
+                <a:schemeClr val="tx1"/>
+              </a:solidFill>
+              <a:latin typeface="에스코어 드림 4 Regular" panose="020B0503030302020204" pitchFamily="34" charset="-127"/>
+              <a:ea typeface="에스코어 드림 4 Regular" panose="020B0503030302020204" pitchFamily="34" charset="-127"/>
+            </a:endParaRPr>
+          </a:p>
+        </p:txBody>
+      </p:sp>
+      <p:sp>
+        <p:nvSpPr>
+          <p:cNvPr id="15" name="화살표: 오각형 14">
+            <a:extLst>
+              <a:ext uri="{FF2B5EF4-FFF2-40B4-BE49-F238E27FC236}">
+                <a16:creationId xmlns:a16="http://schemas.microsoft.com/office/drawing/2014/main" id="{352A5CBB-2F17-6519-979B-9BF4F16AE5A3}"/>
+              </a:ext>
+            </a:extLst>
+          </p:cNvPr>
+          <p:cNvSpPr/>
+          <p:nvPr/>
+        </p:nvSpPr>
+        <p:spPr>
+          <a:xfrm>
+            <a:off x="1295982" y="2232642"/>
+            <a:ext cx="1122466" cy="536637"/>
+          </a:xfrm>
+          <a:prstGeom prst="homePlate">
+            <a:avLst/>
+          </a:prstGeom>
+          <a:solidFill>
+            <a:schemeClr val="accent4">
+              <a:lumMod val="60000"/>
+              <a:lumOff val="40000"/>
+            </a:schemeClr>
+          </a:solidFill>
+          <a:ln>
+            <a:noFill/>
+          </a:ln>
+        </p:spPr>
+        <p:style>
+          <a:lnRef idx="2">
+            <a:schemeClr val="accent1">
+              <a:shade val="50000"/>
+            </a:schemeClr>
+          </a:lnRef>
+          <a:fillRef idx="1">
+            <a:schemeClr val="accent1"/>
+          </a:fillRef>
+          <a:effectRef idx="0">
+            <a:schemeClr val="accent1"/>
+          </a:effectRef>
+          <a:fontRef idx="minor">
+            <a:schemeClr val="lt1"/>
+          </a:fontRef>
+        </p:style>
+        <p:txBody>
+          <a:bodyPr rtlCol="0" anchor="ctr"/>
+          <a:lstStyle/>
+          <a:p>
+            <a:pPr algn="ctr"/>
+            <a:r>
+              <a:rPr lang="en-US" altLang="ko-KR" sz="1050" dirty="0">
+                <a:solidFill>
+                  <a:schemeClr val="tx1"/>
+                </a:solidFill>
+                <a:latin typeface="에스코어 드림 4 Regular" panose="020B0503030302020204" pitchFamily="34" charset="-127"/>
+                <a:ea typeface="에스코어 드림 4 Regular" panose="020B0503030302020204" pitchFamily="34" charset="-127"/>
+              </a:rPr>
+              <a:t>RENDER</a:t>
+            </a:r>
+          </a:p>
+          <a:p>
+            <a:pPr algn="ctr"/>
+            <a:r>
+              <a:rPr lang="en-US" altLang="ko-KR" sz="1050" dirty="0">
+                <a:solidFill>
+                  <a:schemeClr val="tx1"/>
+                </a:solidFill>
+                <a:latin typeface="에스코어 드림 4 Regular" panose="020B0503030302020204" pitchFamily="34" charset="-127"/>
+                <a:ea typeface="에스코어 드림 4 Regular" panose="020B0503030302020204" pitchFamily="34" charset="-127"/>
+              </a:rPr>
+              <a:t>THREAD 1</a:t>
+            </a:r>
+            <a:endParaRPr lang="ko-KR" altLang="en-US" sz="1050" dirty="0">
+              <a:solidFill>
+                <a:schemeClr val="tx1"/>
+              </a:solidFill>
+              <a:latin typeface="에스코어 드림 4 Regular" panose="020B0503030302020204" pitchFamily="34" charset="-127"/>
+              <a:ea typeface="에스코어 드림 4 Regular" panose="020B0503030302020204" pitchFamily="34" charset="-127"/>
+            </a:endParaRPr>
+          </a:p>
+        </p:txBody>
+      </p:sp>
+      <p:sp>
+        <p:nvSpPr>
+          <p:cNvPr id="16" name="화살표: 오각형 15">
+            <a:extLst>
+              <a:ext uri="{FF2B5EF4-FFF2-40B4-BE49-F238E27FC236}">
+                <a16:creationId xmlns:a16="http://schemas.microsoft.com/office/drawing/2014/main" id="{8A5D88DA-835F-C112-7702-09FF23636AD6}"/>
+              </a:ext>
+            </a:extLst>
+          </p:cNvPr>
+          <p:cNvSpPr/>
+          <p:nvPr/>
+        </p:nvSpPr>
+        <p:spPr>
+          <a:xfrm>
+            <a:off x="1295982" y="3309147"/>
+            <a:ext cx="1122466" cy="536637"/>
+          </a:xfrm>
+          <a:prstGeom prst="homePlate">
+            <a:avLst/>
+          </a:prstGeom>
+          <a:solidFill>
+            <a:schemeClr val="accent4">
+              <a:lumMod val="60000"/>
+              <a:lumOff val="40000"/>
+            </a:schemeClr>
+          </a:solidFill>
+          <a:ln>
+            <a:noFill/>
+          </a:ln>
+        </p:spPr>
+        <p:style>
+          <a:lnRef idx="2">
+            <a:schemeClr val="accent1">
+              <a:shade val="50000"/>
+            </a:schemeClr>
+          </a:lnRef>
+          <a:fillRef idx="1">
+            <a:schemeClr val="accent1"/>
+          </a:fillRef>
+          <a:effectRef idx="0">
+            <a:schemeClr val="accent1"/>
+          </a:effectRef>
+          <a:fontRef idx="minor">
+            <a:schemeClr val="lt1"/>
+          </a:fontRef>
+        </p:style>
+        <p:txBody>
+          <a:bodyPr rtlCol="0" anchor="ctr"/>
+          <a:lstStyle/>
+          <a:p>
+            <a:pPr algn="ctr"/>
+            <a:r>
+              <a:rPr lang="en-US" altLang="ko-KR" sz="1050" dirty="0">
+                <a:solidFill>
+                  <a:schemeClr val="tx1"/>
+                </a:solidFill>
+                <a:latin typeface="에스코어 드림 4 Regular" panose="020B0503030302020204" pitchFamily="34" charset="-127"/>
+                <a:ea typeface="에스코어 드림 4 Regular" panose="020B0503030302020204" pitchFamily="34" charset="-127"/>
+              </a:rPr>
+              <a:t>RENDER</a:t>
+            </a:r>
+          </a:p>
+          <a:p>
+            <a:pPr algn="ctr"/>
+            <a:r>
+              <a:rPr lang="en-US" altLang="ko-KR" sz="1050" dirty="0">
+                <a:solidFill>
+                  <a:schemeClr val="tx1"/>
+                </a:solidFill>
+                <a:latin typeface="에스코어 드림 4 Regular" panose="020B0503030302020204" pitchFamily="34" charset="-127"/>
+                <a:ea typeface="에스코어 드림 4 Regular" panose="020B0503030302020204" pitchFamily="34" charset="-127"/>
+              </a:rPr>
+              <a:t>THREAD 2</a:t>
+            </a:r>
+            <a:endParaRPr lang="ko-KR" altLang="en-US" sz="1050" dirty="0">
+              <a:solidFill>
+                <a:schemeClr val="tx1"/>
+              </a:solidFill>
+              <a:latin typeface="에스코어 드림 4 Regular" panose="020B0503030302020204" pitchFamily="34" charset="-127"/>
+              <a:ea typeface="에스코어 드림 4 Regular" panose="020B0503030302020204" pitchFamily="34" charset="-127"/>
+            </a:endParaRPr>
+          </a:p>
+        </p:txBody>
+      </p:sp>
+      <p:sp>
+        <p:nvSpPr>
+          <p:cNvPr id="17" name="화살표: 갈매기형 수장 16">
+            <a:extLst>
+              <a:ext uri="{FF2B5EF4-FFF2-40B4-BE49-F238E27FC236}">
+                <a16:creationId xmlns:a16="http://schemas.microsoft.com/office/drawing/2014/main" id="{600AF2CA-6736-6D37-9BBE-06D62B0F7F84}"/>
+              </a:ext>
+            </a:extLst>
+          </p:cNvPr>
+          <p:cNvSpPr/>
+          <p:nvPr/>
+        </p:nvSpPr>
+        <p:spPr>
+          <a:xfrm>
+            <a:off x="1295982" y="950470"/>
+            <a:ext cx="5384457" cy="536637"/>
+          </a:xfrm>
+          <a:prstGeom prst="chevron">
+            <a:avLst/>
+          </a:prstGeom>
+          <a:solidFill>
+            <a:schemeClr val="accent5">
+              <a:lumMod val="40000"/>
+              <a:lumOff val="60000"/>
+            </a:schemeClr>
+          </a:solidFill>
+          <a:ln>
+            <a:noFill/>
+          </a:ln>
+        </p:spPr>
+        <p:style>
+          <a:lnRef idx="2">
+            <a:schemeClr val="accent1">
+              <a:shade val="50000"/>
+            </a:schemeClr>
+          </a:lnRef>
+          <a:fillRef idx="1">
+            <a:schemeClr val="accent1"/>
+          </a:fillRef>
+          <a:effectRef idx="0">
+            <a:schemeClr val="accent1"/>
+          </a:effectRef>
+          <a:fontRef idx="minor">
+            <a:schemeClr val="lt1"/>
+          </a:fontRef>
+        </p:style>
+        <p:txBody>
+          <a:bodyPr rtlCol="0" anchor="ctr"/>
+          <a:lstStyle/>
+          <a:p>
+            <a:pPr algn="ctr"/>
+            <a:r>
+              <a:rPr lang="en-US" altLang="ko-KR" sz="1050" dirty="0">
+                <a:solidFill>
+                  <a:schemeClr val="tx1"/>
+                </a:solidFill>
+                <a:latin typeface="에스코어 드림 4 Regular" panose="020B0503030302020204" pitchFamily="34" charset="-127"/>
+                <a:ea typeface="에스코어 드림 4 Regular" panose="020B0503030302020204" pitchFamily="34" charset="-127"/>
+              </a:rPr>
+              <a:t>MSG </a:t>
+            </a:r>
+            <a:r>
+              <a:rPr lang="ko-KR" altLang="en-US" sz="1050" dirty="0">
+                <a:solidFill>
+                  <a:schemeClr val="tx1"/>
+                </a:solidFill>
+                <a:latin typeface="에스코어 드림 4 Regular" panose="020B0503030302020204" pitchFamily="34" charset="-127"/>
+                <a:ea typeface="에스코어 드림 4 Regular" panose="020B0503030302020204" pitchFamily="34" charset="-127"/>
+              </a:rPr>
+              <a:t>처리</a:t>
+            </a:r>
+          </a:p>
+        </p:txBody>
+      </p:sp>
+      <p:sp>
+        <p:nvSpPr>
+          <p:cNvPr id="18" name="화살표: 갈매기형 수장 17">
+            <a:extLst>
+              <a:ext uri="{FF2B5EF4-FFF2-40B4-BE49-F238E27FC236}">
+                <a16:creationId xmlns:a16="http://schemas.microsoft.com/office/drawing/2014/main" id="{77B46E2E-3012-D5FD-9A59-9DE72B80CC8E}"/>
+              </a:ext>
+            </a:extLst>
+          </p:cNvPr>
+          <p:cNvSpPr/>
+          <p:nvPr/>
+        </p:nvSpPr>
+        <p:spPr>
+          <a:xfrm>
+            <a:off x="2237617" y="1556673"/>
+            <a:ext cx="4436398" cy="536637"/>
+          </a:xfrm>
+          <a:prstGeom prst="chevron">
+            <a:avLst/>
+          </a:prstGeom>
+          <a:solidFill>
+            <a:schemeClr val="accent5">
+              <a:lumMod val="40000"/>
+              <a:lumOff val="60000"/>
+            </a:schemeClr>
+          </a:solidFill>
+          <a:ln>
+            <a:noFill/>
+          </a:ln>
+        </p:spPr>
+        <p:style>
+          <a:lnRef idx="2">
+            <a:schemeClr val="accent1">
+              <a:shade val="50000"/>
+            </a:schemeClr>
+          </a:lnRef>
+          <a:fillRef idx="1">
+            <a:schemeClr val="accent1"/>
+          </a:fillRef>
+          <a:effectRef idx="0">
+            <a:schemeClr val="accent1"/>
+          </a:effectRef>
+          <a:fontRef idx="minor">
+            <a:schemeClr val="lt1"/>
+          </a:fontRef>
+        </p:style>
+        <p:txBody>
+          <a:bodyPr rtlCol="0" anchor="ctr"/>
+          <a:lstStyle/>
+          <a:p>
+            <a:pPr algn="ctr"/>
+            <a:r>
+              <a:rPr lang="ko-KR" altLang="en-US" sz="1050" dirty="0">
+                <a:solidFill>
+                  <a:schemeClr val="tx1"/>
+                </a:solidFill>
+                <a:latin typeface="에스코어 드림 4 Regular" panose="020B0503030302020204" pitchFamily="34" charset="-127"/>
+                <a:ea typeface="에스코어 드림 4 Regular" panose="020B0503030302020204" pitchFamily="34" charset="-127"/>
+              </a:rPr>
+              <a:t>네트워크 </a:t>
+            </a:r>
+            <a:r>
+              <a:rPr lang="en-US" altLang="ko-KR" sz="1050" dirty="0">
+                <a:solidFill>
+                  <a:schemeClr val="tx1"/>
+                </a:solidFill>
+                <a:latin typeface="에스코어 드림 4 Regular" panose="020B0503030302020204" pitchFamily="34" charset="-127"/>
+                <a:ea typeface="에스코어 드림 4 Regular" panose="020B0503030302020204" pitchFamily="34" charset="-127"/>
+              </a:rPr>
+              <a:t>/ </a:t>
+            </a:r>
+            <a:r>
+              <a:rPr lang="ko-KR" altLang="en-US" sz="1050" dirty="0">
+                <a:solidFill>
+                  <a:schemeClr val="tx1"/>
+                </a:solidFill>
+                <a:latin typeface="에스코어 드림 4 Regular" panose="020B0503030302020204" pitchFamily="34" charset="-127"/>
+                <a:ea typeface="에스코어 드림 4 Regular" panose="020B0503030302020204" pitchFamily="34" charset="-127"/>
+              </a:rPr>
+              <a:t>게임 로직 처리</a:t>
+            </a:r>
+          </a:p>
+        </p:txBody>
+      </p:sp>
+      <p:sp>
+        <p:nvSpPr>
+          <p:cNvPr id="19" name="화살표: 갈매기형 수장 18">
+            <a:extLst>
+              <a:ext uri="{FF2B5EF4-FFF2-40B4-BE49-F238E27FC236}">
+                <a16:creationId xmlns:a16="http://schemas.microsoft.com/office/drawing/2014/main" id="{539B3399-A2D9-09DB-8E2D-2C21DCE55B86}"/>
+              </a:ext>
+            </a:extLst>
+          </p:cNvPr>
+          <p:cNvSpPr/>
+          <p:nvPr/>
+        </p:nvSpPr>
+        <p:spPr>
+          <a:xfrm>
+            <a:off x="2231978" y="2232642"/>
+            <a:ext cx="1623326" cy="536637"/>
+          </a:xfrm>
+          <a:prstGeom prst="chevron">
+            <a:avLst/>
+          </a:prstGeom>
+          <a:solidFill>
+            <a:schemeClr val="accent5">
+              <a:lumMod val="60000"/>
+              <a:lumOff val="40000"/>
+            </a:schemeClr>
+          </a:solidFill>
+          <a:ln>
+            <a:noFill/>
+          </a:ln>
+        </p:spPr>
+        <p:style>
+          <a:lnRef idx="2">
+            <a:schemeClr val="accent1">
+              <a:shade val="50000"/>
+            </a:schemeClr>
+          </a:lnRef>
+          <a:fillRef idx="1">
+            <a:schemeClr val="accent1"/>
+          </a:fillRef>
+          <a:effectRef idx="0">
+            <a:schemeClr val="accent1"/>
+          </a:effectRef>
+          <a:fontRef idx="minor">
+            <a:schemeClr val="lt1"/>
+          </a:fontRef>
+        </p:style>
+        <p:txBody>
+          <a:bodyPr rtlCol="0" anchor="ctr"/>
+          <a:lstStyle/>
+          <a:p>
+            <a:pPr algn="ctr"/>
+            <a:r>
+              <a:rPr lang="en-US" altLang="ko-KR" sz="1050" dirty="0">
+                <a:solidFill>
+                  <a:schemeClr val="tx1"/>
+                </a:solidFill>
+                <a:latin typeface="에스코어 드림 4 Regular" panose="020B0503030302020204" pitchFamily="34" charset="-127"/>
+                <a:ea typeface="에스코어 드림 4 Regular" panose="020B0503030302020204" pitchFamily="34" charset="-127"/>
+              </a:rPr>
+              <a:t>Command List</a:t>
+            </a:r>
+          </a:p>
+          <a:p>
+            <a:pPr algn="ctr"/>
+            <a:r>
+              <a:rPr lang="en-US" altLang="ko-KR" sz="1050" dirty="0">
+                <a:solidFill>
+                  <a:schemeClr val="tx1"/>
+                </a:solidFill>
+                <a:latin typeface="에스코어 드림 4 Regular" panose="020B0503030302020204" pitchFamily="34" charset="-127"/>
+                <a:ea typeface="에스코어 드림 4 Regular" panose="020B0503030302020204" pitchFamily="34" charset="-127"/>
+              </a:rPr>
+              <a:t>Push</a:t>
+            </a:r>
+            <a:endParaRPr lang="ko-KR" altLang="en-US" sz="1050" dirty="0">
+              <a:solidFill>
+                <a:schemeClr val="tx1"/>
+              </a:solidFill>
+              <a:latin typeface="에스코어 드림 4 Regular" panose="020B0503030302020204" pitchFamily="34" charset="-127"/>
+              <a:ea typeface="에스코어 드림 4 Regular" panose="020B0503030302020204" pitchFamily="34" charset="-127"/>
+            </a:endParaRPr>
+          </a:p>
+        </p:txBody>
+      </p:sp>
+      <p:sp>
+        <p:nvSpPr>
+          <p:cNvPr id="20" name="화살표: 갈매기형 수장 19">
+            <a:extLst>
+              <a:ext uri="{FF2B5EF4-FFF2-40B4-BE49-F238E27FC236}">
+                <a16:creationId xmlns:a16="http://schemas.microsoft.com/office/drawing/2014/main" id="{69C71618-A58A-070C-1AF8-577CC4DAB7C5}"/>
+              </a:ext>
+            </a:extLst>
+          </p:cNvPr>
+          <p:cNvSpPr/>
+          <p:nvPr/>
+        </p:nvSpPr>
+        <p:spPr>
+          <a:xfrm>
+            <a:off x="3668833" y="2232642"/>
+            <a:ext cx="1583476" cy="536637"/>
+          </a:xfrm>
+          <a:prstGeom prst="chevron">
+            <a:avLst/>
+          </a:prstGeom>
+          <a:solidFill>
+            <a:schemeClr val="accent6">
+              <a:lumMod val="60000"/>
+              <a:lumOff val="40000"/>
+            </a:schemeClr>
+          </a:solidFill>
+          <a:ln>
+            <a:noFill/>
+          </a:ln>
+        </p:spPr>
+        <p:style>
+          <a:lnRef idx="2">
+            <a:schemeClr val="accent1">
+              <a:shade val="50000"/>
+            </a:schemeClr>
+          </a:lnRef>
+          <a:fillRef idx="1">
+            <a:schemeClr val="accent1"/>
+          </a:fillRef>
+          <a:effectRef idx="0">
+            <a:schemeClr val="accent1"/>
+          </a:effectRef>
+          <a:fontRef idx="minor">
+            <a:schemeClr val="lt1"/>
+          </a:fontRef>
+        </p:style>
+        <p:txBody>
+          <a:bodyPr rtlCol="0" anchor="ctr"/>
+          <a:lstStyle/>
+          <a:p>
+            <a:pPr algn="ctr"/>
+            <a:r>
+              <a:rPr lang="en-US" altLang="ko-KR" sz="1050" dirty="0">
+                <a:solidFill>
+                  <a:schemeClr val="tx1"/>
+                </a:solidFill>
+                <a:latin typeface="에스코어 드림 4 Regular" panose="020B0503030302020204" pitchFamily="34" charset="-127"/>
+                <a:ea typeface="에스코어 드림 4 Regular" panose="020B0503030302020204" pitchFamily="34" charset="-127"/>
+              </a:rPr>
+              <a:t>Command List</a:t>
+            </a:r>
+          </a:p>
+          <a:p>
+            <a:pPr algn="ctr"/>
+            <a:r>
+              <a:rPr lang="en-US" altLang="ko-KR" sz="1050" dirty="0">
+                <a:solidFill>
+                  <a:schemeClr val="tx1"/>
+                </a:solidFill>
+                <a:latin typeface="에스코어 드림 4 Regular" panose="020B0503030302020204" pitchFamily="34" charset="-127"/>
+                <a:ea typeface="에스코어 드림 4 Regular" panose="020B0503030302020204" pitchFamily="34" charset="-127"/>
+              </a:rPr>
+              <a:t>Execute</a:t>
+            </a:r>
+            <a:endParaRPr lang="ko-KR" altLang="en-US" sz="1050" dirty="0">
+              <a:solidFill>
+                <a:schemeClr val="tx1"/>
+              </a:solidFill>
+              <a:latin typeface="에스코어 드림 4 Regular" panose="020B0503030302020204" pitchFamily="34" charset="-127"/>
+              <a:ea typeface="에스코어 드림 4 Regular" panose="020B0503030302020204" pitchFamily="34" charset="-127"/>
+            </a:endParaRPr>
+          </a:p>
+        </p:txBody>
+      </p:sp>
+      <p:sp>
+        <p:nvSpPr>
+          <p:cNvPr id="21" name="화살표: 갈매기형 수장 20">
+            <a:extLst>
+              <a:ext uri="{FF2B5EF4-FFF2-40B4-BE49-F238E27FC236}">
+                <a16:creationId xmlns:a16="http://schemas.microsoft.com/office/drawing/2014/main" id="{BD29E2BA-D805-17A6-B187-397D2E1932DA}"/>
+              </a:ext>
+            </a:extLst>
+          </p:cNvPr>
+          <p:cNvSpPr/>
+          <p:nvPr/>
+        </p:nvSpPr>
+        <p:spPr>
+          <a:xfrm>
+            <a:off x="3678893" y="3309147"/>
+            <a:ext cx="1583476" cy="536637"/>
+          </a:xfrm>
+          <a:prstGeom prst="chevron">
+            <a:avLst/>
+          </a:prstGeom>
+          <a:solidFill>
+            <a:schemeClr val="accent5">
+              <a:lumMod val="60000"/>
+              <a:lumOff val="40000"/>
+            </a:schemeClr>
+          </a:solidFill>
+          <a:ln>
+            <a:noFill/>
+          </a:ln>
+        </p:spPr>
+        <p:style>
+          <a:lnRef idx="2">
+            <a:schemeClr val="accent1">
+              <a:shade val="50000"/>
+            </a:schemeClr>
+          </a:lnRef>
+          <a:fillRef idx="1">
+            <a:schemeClr val="accent1"/>
+          </a:fillRef>
+          <a:effectRef idx="0">
+            <a:schemeClr val="accent1"/>
+          </a:effectRef>
+          <a:fontRef idx="minor">
+            <a:schemeClr val="lt1"/>
+          </a:fontRef>
+        </p:style>
+        <p:txBody>
+          <a:bodyPr rtlCol="0" anchor="ctr"/>
+          <a:lstStyle/>
+          <a:p>
+            <a:pPr algn="ctr"/>
+            <a:r>
+              <a:rPr lang="en-US" altLang="ko-KR" sz="1050" dirty="0">
+                <a:solidFill>
+                  <a:schemeClr val="tx1"/>
+                </a:solidFill>
+                <a:latin typeface="에스코어 드림 4 Regular" panose="020B0503030302020204" pitchFamily="34" charset="-127"/>
+                <a:ea typeface="에스코어 드림 4 Regular" panose="020B0503030302020204" pitchFamily="34" charset="-127"/>
+              </a:rPr>
+              <a:t>Command List</a:t>
+            </a:r>
+          </a:p>
+          <a:p>
+            <a:pPr algn="ctr"/>
+            <a:r>
+              <a:rPr lang="en-US" altLang="ko-KR" sz="1050" dirty="0">
+                <a:solidFill>
+                  <a:schemeClr val="tx1"/>
+                </a:solidFill>
+                <a:latin typeface="에스코어 드림 4 Regular" panose="020B0503030302020204" pitchFamily="34" charset="-127"/>
+                <a:ea typeface="에스코어 드림 4 Regular" panose="020B0503030302020204" pitchFamily="34" charset="-127"/>
+              </a:rPr>
+              <a:t>Push</a:t>
+            </a:r>
+            <a:endParaRPr lang="ko-KR" altLang="en-US" sz="1050" dirty="0">
+              <a:solidFill>
+                <a:schemeClr val="tx1"/>
+              </a:solidFill>
+              <a:latin typeface="에스코어 드림 4 Regular" panose="020B0503030302020204" pitchFamily="34" charset="-127"/>
+              <a:ea typeface="에스코어 드림 4 Regular" panose="020B0503030302020204" pitchFamily="34" charset="-127"/>
+            </a:endParaRPr>
+          </a:p>
+        </p:txBody>
+      </p:sp>
+      <p:sp>
+        <p:nvSpPr>
+          <p:cNvPr id="22" name="화살표: 갈매기형 수장 21">
+            <a:extLst>
+              <a:ext uri="{FF2B5EF4-FFF2-40B4-BE49-F238E27FC236}">
+                <a16:creationId xmlns:a16="http://schemas.microsoft.com/office/drawing/2014/main" id="{6CCF1F8B-DBC2-16DF-8601-32E333CF54DA}"/>
+              </a:ext>
+            </a:extLst>
+          </p:cNvPr>
+          <p:cNvSpPr/>
+          <p:nvPr/>
+        </p:nvSpPr>
+        <p:spPr>
+          <a:xfrm>
+            <a:off x="5516541" y="2232642"/>
+            <a:ext cx="601395" cy="536637"/>
+          </a:xfrm>
+          <a:prstGeom prst="chevron">
+            <a:avLst/>
+          </a:prstGeom>
+          <a:solidFill>
+            <a:schemeClr val="accent6">
+              <a:lumMod val="60000"/>
+              <a:lumOff val="40000"/>
+            </a:schemeClr>
+          </a:solidFill>
+          <a:ln>
+            <a:noFill/>
+          </a:ln>
+        </p:spPr>
+        <p:style>
+          <a:lnRef idx="2">
+            <a:schemeClr val="accent1">
+              <a:shade val="50000"/>
+            </a:schemeClr>
+          </a:lnRef>
+          <a:fillRef idx="1">
+            <a:schemeClr val="accent1"/>
+          </a:fillRef>
+          <a:effectRef idx="0">
+            <a:schemeClr val="accent1"/>
+          </a:effectRef>
+          <a:fontRef idx="minor">
+            <a:schemeClr val="lt1"/>
+          </a:fontRef>
+        </p:style>
+        <p:txBody>
+          <a:bodyPr rtlCol="0" anchor="ctr"/>
+          <a:lstStyle/>
+          <a:p>
+            <a:pPr algn="ctr"/>
+            <a:endParaRPr lang="ko-KR" altLang="en-US" sz="1050" dirty="0">
+              <a:solidFill>
+                <a:schemeClr val="tx1"/>
+              </a:solidFill>
+              <a:latin typeface="에스코어 드림 4 Regular" panose="020B0503030302020204" pitchFamily="34" charset="-127"/>
+              <a:ea typeface="에스코어 드림 4 Regular" panose="020B0503030302020204" pitchFamily="34" charset="-127"/>
+            </a:endParaRPr>
+          </a:p>
+        </p:txBody>
+      </p:sp>
+      <p:sp>
+        <p:nvSpPr>
+          <p:cNvPr id="23" name="화살표: 갈매기형 수장 22">
+            <a:extLst>
+              <a:ext uri="{FF2B5EF4-FFF2-40B4-BE49-F238E27FC236}">
+                <a16:creationId xmlns:a16="http://schemas.microsoft.com/office/drawing/2014/main" id="{6930BDF8-DDB7-79DD-BF59-5CB6F185BB8D}"/>
+              </a:ext>
+            </a:extLst>
+          </p:cNvPr>
+          <p:cNvSpPr/>
+          <p:nvPr/>
+        </p:nvSpPr>
+        <p:spPr>
+          <a:xfrm>
+            <a:off x="5065838" y="2232642"/>
+            <a:ext cx="637173" cy="536637"/>
+          </a:xfrm>
+          <a:prstGeom prst="chevron">
+            <a:avLst/>
+          </a:prstGeom>
+          <a:solidFill>
+            <a:schemeClr val="accent5">
+              <a:lumMod val="60000"/>
+              <a:lumOff val="40000"/>
+            </a:schemeClr>
+          </a:solidFill>
+          <a:ln>
+            <a:noFill/>
+          </a:ln>
+        </p:spPr>
+        <p:style>
+          <a:lnRef idx="2">
+            <a:schemeClr val="accent1">
+              <a:shade val="50000"/>
+            </a:schemeClr>
+          </a:lnRef>
+          <a:fillRef idx="1">
+            <a:schemeClr val="accent1"/>
+          </a:fillRef>
+          <a:effectRef idx="0">
+            <a:schemeClr val="accent1"/>
+          </a:effectRef>
+          <a:fontRef idx="minor">
+            <a:schemeClr val="lt1"/>
+          </a:fontRef>
+        </p:style>
+        <p:txBody>
+          <a:bodyPr rtlCol="0" anchor="ctr"/>
+          <a:lstStyle/>
+          <a:p>
+            <a:pPr algn="ctr"/>
+            <a:endParaRPr lang="ko-KR" altLang="en-US" sz="1050" dirty="0">
+              <a:solidFill>
+                <a:schemeClr val="tx1"/>
+              </a:solidFill>
+              <a:latin typeface="에스코어 드림 4 Regular" panose="020B0503030302020204" pitchFamily="34" charset="-127"/>
+              <a:ea typeface="에스코어 드림 4 Regular" panose="020B0503030302020204" pitchFamily="34" charset="-127"/>
+            </a:endParaRPr>
+          </a:p>
+        </p:txBody>
+      </p:sp>
+      <p:sp>
+        <p:nvSpPr>
+          <p:cNvPr id="24" name="화살표: 오른쪽 23">
+            <a:extLst>
+              <a:ext uri="{FF2B5EF4-FFF2-40B4-BE49-F238E27FC236}">
+                <a16:creationId xmlns:a16="http://schemas.microsoft.com/office/drawing/2014/main" id="{AFFB1F50-E357-05CC-6881-FFFFF4A6D39D}"/>
+              </a:ext>
+            </a:extLst>
+          </p:cNvPr>
+          <p:cNvSpPr/>
+          <p:nvPr/>
+        </p:nvSpPr>
+        <p:spPr>
+          <a:xfrm rot="3600000">
+            <a:off x="3496422" y="2907254"/>
+            <a:ext cx="393533" cy="254903"/>
+          </a:xfrm>
+          <a:prstGeom prst="rightArrow">
+            <a:avLst/>
+          </a:prstGeom>
+          <a:solidFill>
+            <a:schemeClr val="accent6">
+              <a:lumMod val="40000"/>
+              <a:lumOff val="60000"/>
+            </a:schemeClr>
+          </a:solidFill>
+          <a:ln>
+            <a:noFill/>
+          </a:ln>
+        </p:spPr>
+        <p:style>
+          <a:lnRef idx="2">
+            <a:schemeClr val="accent1">
+              <a:shade val="50000"/>
+            </a:schemeClr>
+          </a:lnRef>
+          <a:fillRef idx="1">
+            <a:schemeClr val="accent1"/>
+          </a:fillRef>
+          <a:effectRef idx="0">
+            <a:schemeClr val="accent1"/>
+          </a:effectRef>
+          <a:fontRef idx="minor">
+            <a:schemeClr val="lt1"/>
+          </a:fontRef>
+        </p:style>
+        <p:txBody>
+          <a:bodyPr rtlCol="0" anchor="ctr"/>
+          <a:lstStyle/>
+          <a:p>
+            <a:pPr algn="ctr"/>
+            <a:endParaRPr lang="ko-KR" altLang="en-US" sz="1200"/>
+          </a:p>
+        </p:txBody>
+      </p:sp>
+      <p:sp>
+        <p:nvSpPr>
+          <p:cNvPr id="25" name="TextBox 24">
+            <a:extLst>
+              <a:ext uri="{FF2B5EF4-FFF2-40B4-BE49-F238E27FC236}">
+                <a16:creationId xmlns:a16="http://schemas.microsoft.com/office/drawing/2014/main" id="{2457E4F4-FFCA-6A53-4A0A-CED7F2948CB0}"/>
+              </a:ext>
+            </a:extLst>
+          </p:cNvPr>
+          <p:cNvSpPr txBox="1"/>
+          <p:nvPr/>
+        </p:nvSpPr>
+        <p:spPr>
+          <a:xfrm>
+            <a:off x="1263534" y="2822926"/>
+            <a:ext cx="1432323" cy="430887"/>
+          </a:xfrm>
+          <a:prstGeom prst="rect">
+            <a:avLst/>
+          </a:prstGeom>
+          <a:noFill/>
+        </p:spPr>
+        <p:txBody>
+          <a:bodyPr wrap="square" rtlCol="0">
+            <a:spAutoFit/>
+          </a:bodyPr>
+          <a:lstStyle/>
+          <a:p>
+            <a:r>
+              <a:rPr lang="en-US" altLang="ko-KR" sz="1100" dirty="0">
+                <a:solidFill>
+                  <a:schemeClr val="accent6">
+                    <a:lumMod val="75000"/>
+                  </a:schemeClr>
+                </a:solidFill>
+                <a:latin typeface="에스코어 드림 4 Regular" panose="020B0503030302020204" pitchFamily="34" charset="-127"/>
+                <a:ea typeface="에스코어 드림 4 Regular" panose="020B0503030302020204" pitchFamily="34" charset="-127"/>
+                <a:cs typeface="Microsoft GothicNeo" panose="020B0500000101010101" pitchFamily="50" charset="-127"/>
+              </a:rPr>
+              <a:t>EXECUTE EVENT</a:t>
+            </a:r>
+          </a:p>
+          <a:p>
+            <a:r>
+              <a:rPr lang="en-US" altLang="ko-KR" sz="1100" dirty="0">
+                <a:solidFill>
+                  <a:schemeClr val="accent5">
+                    <a:lumMod val="75000"/>
+                  </a:schemeClr>
+                </a:solidFill>
+                <a:latin typeface="에스코어 드림 4 Regular" panose="020B0503030302020204" pitchFamily="34" charset="-127"/>
+                <a:ea typeface="에스코어 드림 4 Regular" panose="020B0503030302020204" pitchFamily="34" charset="-127"/>
+                <a:cs typeface="Microsoft GothicNeo" panose="020B0500000101010101" pitchFamily="50" charset="-127"/>
+              </a:rPr>
+              <a:t>RENDER EVENT</a:t>
+            </a:r>
+            <a:endParaRPr lang="ko-KR" altLang="en-US" sz="1100" dirty="0">
+              <a:solidFill>
+                <a:schemeClr val="accent5">
+                  <a:lumMod val="75000"/>
+                </a:schemeClr>
+              </a:solidFill>
+              <a:latin typeface="에스코어 드림 4 Regular" panose="020B0503030302020204" pitchFamily="34" charset="-127"/>
+              <a:ea typeface="에스코어 드림 4 Regular" panose="020B0503030302020204" pitchFamily="34" charset="-127"/>
+              <a:cs typeface="Microsoft GothicNeo" panose="020B0500000101010101" pitchFamily="50" charset="-127"/>
+            </a:endParaRPr>
+          </a:p>
+        </p:txBody>
+      </p:sp>
+      <p:sp>
+        <p:nvSpPr>
+          <p:cNvPr id="26" name="화살표: 오른쪽 25">
+            <a:extLst>
+              <a:ext uri="{FF2B5EF4-FFF2-40B4-BE49-F238E27FC236}">
+                <a16:creationId xmlns:a16="http://schemas.microsoft.com/office/drawing/2014/main" id="{78128F57-7227-52E3-88A1-626497D1D7D4}"/>
+              </a:ext>
+            </a:extLst>
+          </p:cNvPr>
+          <p:cNvSpPr/>
+          <p:nvPr/>
+        </p:nvSpPr>
+        <p:spPr>
+          <a:xfrm rot="18000000">
+            <a:off x="4929063" y="2889894"/>
+            <a:ext cx="393533" cy="254903"/>
+          </a:xfrm>
+          <a:prstGeom prst="rightArrow">
+            <a:avLst/>
+          </a:prstGeom>
+          <a:ln>
+            <a:noFill/>
+          </a:ln>
+        </p:spPr>
+        <p:style>
+          <a:lnRef idx="2">
+            <a:schemeClr val="accent1">
+              <a:shade val="50000"/>
+            </a:schemeClr>
+          </a:lnRef>
+          <a:fillRef idx="1">
+            <a:schemeClr val="accent1"/>
+          </a:fillRef>
+          <a:effectRef idx="0">
+            <a:schemeClr val="accent1"/>
+          </a:effectRef>
+          <a:fontRef idx="minor">
+            <a:schemeClr val="lt1"/>
+          </a:fontRef>
+        </p:style>
+        <p:txBody>
+          <a:bodyPr rtlCol="0" anchor="ctr"/>
+          <a:lstStyle/>
+          <a:p>
+            <a:pPr algn="ctr"/>
+            <a:endParaRPr lang="ko-KR" altLang="en-US" sz="1200"/>
+          </a:p>
+        </p:txBody>
+      </p:sp>
+      <p:sp>
+        <p:nvSpPr>
+          <p:cNvPr id="27" name="화살표: 오른쪽 26">
+            <a:extLst>
+              <a:ext uri="{FF2B5EF4-FFF2-40B4-BE49-F238E27FC236}">
+                <a16:creationId xmlns:a16="http://schemas.microsoft.com/office/drawing/2014/main" id="{B33D7137-F0BC-25AB-9051-5E80BA7E0E5B}"/>
+              </a:ext>
+            </a:extLst>
+          </p:cNvPr>
+          <p:cNvSpPr/>
+          <p:nvPr/>
+        </p:nvSpPr>
+        <p:spPr>
+          <a:xfrm rot="3600000">
+            <a:off x="4720304" y="2940658"/>
+            <a:ext cx="393533" cy="254903"/>
+          </a:xfrm>
+          <a:prstGeom prst="rightArrow">
+            <a:avLst/>
+          </a:prstGeom>
+          <a:solidFill>
+            <a:schemeClr val="accent6">
+              <a:lumMod val="40000"/>
+              <a:lumOff val="60000"/>
+            </a:schemeClr>
+          </a:solidFill>
+          <a:ln>
+            <a:noFill/>
+          </a:ln>
+        </p:spPr>
+        <p:style>
+          <a:lnRef idx="2">
+            <a:schemeClr val="accent1">
+              <a:shade val="50000"/>
+            </a:schemeClr>
+          </a:lnRef>
+          <a:fillRef idx="1">
+            <a:schemeClr val="accent1"/>
+          </a:fillRef>
+          <a:effectRef idx="0">
+            <a:schemeClr val="accent1"/>
+          </a:effectRef>
+          <a:fontRef idx="minor">
+            <a:schemeClr val="lt1"/>
+          </a:fontRef>
+        </p:style>
+        <p:txBody>
+          <a:bodyPr rtlCol="0" anchor="ctr"/>
+          <a:lstStyle/>
+          <a:p>
+            <a:pPr algn="ctr"/>
+            <a:endParaRPr lang="ko-KR" altLang="en-US" sz="1200"/>
+          </a:p>
+        </p:txBody>
+      </p:sp>
+      <p:sp>
+        <p:nvSpPr>
+          <p:cNvPr id="28" name="화살표: 갈매기형 수장 27">
+            <a:extLst>
+              <a:ext uri="{FF2B5EF4-FFF2-40B4-BE49-F238E27FC236}">
+                <a16:creationId xmlns:a16="http://schemas.microsoft.com/office/drawing/2014/main" id="{9F620F66-EEF9-10AD-835E-13A1CE7336AF}"/>
+              </a:ext>
+            </a:extLst>
+          </p:cNvPr>
+          <p:cNvSpPr/>
+          <p:nvPr/>
+        </p:nvSpPr>
+        <p:spPr>
+          <a:xfrm>
+            <a:off x="5931466" y="2232642"/>
+            <a:ext cx="637173" cy="536637"/>
+          </a:xfrm>
+          <a:prstGeom prst="chevron">
+            <a:avLst/>
+          </a:prstGeom>
+          <a:solidFill>
+            <a:schemeClr val="accent5">
+              <a:lumMod val="60000"/>
+              <a:lumOff val="40000"/>
+            </a:schemeClr>
+          </a:solidFill>
+          <a:ln>
+            <a:noFill/>
+          </a:ln>
+        </p:spPr>
+        <p:style>
+          <a:lnRef idx="2">
+            <a:schemeClr val="accent1">
+              <a:shade val="50000"/>
+            </a:schemeClr>
+          </a:lnRef>
+          <a:fillRef idx="1">
+            <a:schemeClr val="accent1"/>
+          </a:fillRef>
+          <a:effectRef idx="0">
+            <a:schemeClr val="accent1"/>
+          </a:effectRef>
+          <a:fontRef idx="minor">
+            <a:schemeClr val="lt1"/>
+          </a:fontRef>
+        </p:style>
+        <p:txBody>
+          <a:bodyPr rtlCol="0" anchor="ctr"/>
+          <a:lstStyle/>
+          <a:p>
+            <a:pPr algn="ctr"/>
+            <a:endParaRPr lang="ko-KR" altLang="en-US" sz="1050" dirty="0">
+              <a:solidFill>
+                <a:schemeClr val="tx1"/>
+              </a:solidFill>
+              <a:latin typeface="에스코어 드림 4 Regular" panose="020B0503030302020204" pitchFamily="34" charset="-127"/>
+              <a:ea typeface="에스코어 드림 4 Regular" panose="020B0503030302020204" pitchFamily="34" charset="-127"/>
+            </a:endParaRPr>
+          </a:p>
+        </p:txBody>
+      </p:sp>
+      <p:sp>
+        <p:nvSpPr>
+          <p:cNvPr id="29" name="화살표: 갈매기형 수장 28">
+            <a:extLst>
+              <a:ext uri="{FF2B5EF4-FFF2-40B4-BE49-F238E27FC236}">
+                <a16:creationId xmlns:a16="http://schemas.microsoft.com/office/drawing/2014/main" id="{8BA4BDFC-CA75-1C5C-A1EB-F97809A9C596}"/>
+              </a:ext>
+            </a:extLst>
+          </p:cNvPr>
+          <p:cNvSpPr/>
+          <p:nvPr/>
+        </p:nvSpPr>
+        <p:spPr>
+          <a:xfrm>
+            <a:off x="5072546" y="3309147"/>
+            <a:ext cx="601395" cy="536637"/>
+          </a:xfrm>
+          <a:prstGeom prst="chevron">
+            <a:avLst/>
+          </a:prstGeom>
+          <a:solidFill>
+            <a:schemeClr val="accent6">
+              <a:lumMod val="60000"/>
+              <a:lumOff val="40000"/>
+            </a:schemeClr>
+          </a:solidFill>
+          <a:ln>
+            <a:noFill/>
+          </a:ln>
+        </p:spPr>
+        <p:style>
+          <a:lnRef idx="2">
+            <a:schemeClr val="accent1">
+              <a:shade val="50000"/>
+            </a:schemeClr>
+          </a:lnRef>
+          <a:fillRef idx="1">
+            <a:schemeClr val="accent1"/>
+          </a:fillRef>
+          <a:effectRef idx="0">
+            <a:schemeClr val="accent1"/>
+          </a:effectRef>
+          <a:fontRef idx="minor">
+            <a:schemeClr val="lt1"/>
+          </a:fontRef>
+        </p:style>
+        <p:txBody>
+          <a:bodyPr rtlCol="0" anchor="ctr"/>
+          <a:lstStyle/>
+          <a:p>
+            <a:pPr algn="ctr"/>
+            <a:endParaRPr lang="ko-KR" altLang="en-US" sz="1050" dirty="0">
+              <a:solidFill>
+                <a:schemeClr val="tx1"/>
+              </a:solidFill>
+              <a:latin typeface="에스코어 드림 4 Regular" panose="020B0503030302020204" pitchFamily="34" charset="-127"/>
+              <a:ea typeface="에스코어 드림 4 Regular" panose="020B0503030302020204" pitchFamily="34" charset="-127"/>
+            </a:endParaRPr>
+          </a:p>
+        </p:txBody>
+      </p:sp>
+      <p:sp>
+        <p:nvSpPr>
+          <p:cNvPr id="30" name="화살표: 갈매기형 수장 29">
+            <a:extLst>
+              <a:ext uri="{FF2B5EF4-FFF2-40B4-BE49-F238E27FC236}">
+                <a16:creationId xmlns:a16="http://schemas.microsoft.com/office/drawing/2014/main" id="{807EE74A-2FBA-1195-A78F-B9B4D72B5481}"/>
+              </a:ext>
+            </a:extLst>
+          </p:cNvPr>
+          <p:cNvSpPr/>
+          <p:nvPr/>
+        </p:nvSpPr>
+        <p:spPr>
+          <a:xfrm>
+            <a:off x="5931466" y="3309147"/>
+            <a:ext cx="601395" cy="536637"/>
+          </a:xfrm>
+          <a:prstGeom prst="chevron">
+            <a:avLst/>
+          </a:prstGeom>
+          <a:solidFill>
+            <a:schemeClr val="accent6">
+              <a:lumMod val="60000"/>
+              <a:lumOff val="40000"/>
+            </a:schemeClr>
+          </a:solidFill>
+          <a:ln>
+            <a:noFill/>
+          </a:ln>
+        </p:spPr>
+        <p:style>
+          <a:lnRef idx="2">
+            <a:schemeClr val="accent1">
+              <a:shade val="50000"/>
+            </a:schemeClr>
+          </a:lnRef>
+          <a:fillRef idx="1">
+            <a:schemeClr val="accent1"/>
+          </a:fillRef>
+          <a:effectRef idx="0">
+            <a:schemeClr val="accent1"/>
+          </a:effectRef>
+          <a:fontRef idx="minor">
+            <a:schemeClr val="lt1"/>
+          </a:fontRef>
+        </p:style>
+        <p:txBody>
+          <a:bodyPr rtlCol="0" anchor="ctr"/>
+          <a:lstStyle/>
+          <a:p>
+            <a:pPr algn="ctr"/>
+            <a:endParaRPr lang="ko-KR" altLang="en-US" sz="1050" dirty="0">
+              <a:solidFill>
+                <a:schemeClr val="tx1"/>
+              </a:solidFill>
+              <a:latin typeface="에스코어 드림 4 Regular" panose="020B0503030302020204" pitchFamily="34" charset="-127"/>
+              <a:ea typeface="에스코어 드림 4 Regular" panose="020B0503030302020204" pitchFamily="34" charset="-127"/>
+            </a:endParaRPr>
+          </a:p>
+        </p:txBody>
+      </p:sp>
+      <p:sp>
+        <p:nvSpPr>
+          <p:cNvPr id="31" name="화살표: 갈매기형 수장 30">
+            <a:extLst>
+              <a:ext uri="{FF2B5EF4-FFF2-40B4-BE49-F238E27FC236}">
+                <a16:creationId xmlns:a16="http://schemas.microsoft.com/office/drawing/2014/main" id="{1F402CF2-734F-3910-03A2-D7EAF93FE407}"/>
+              </a:ext>
+            </a:extLst>
+          </p:cNvPr>
+          <p:cNvSpPr/>
+          <p:nvPr/>
+        </p:nvSpPr>
+        <p:spPr>
+          <a:xfrm>
+            <a:off x="5484117" y="3309147"/>
+            <a:ext cx="637173" cy="536637"/>
+          </a:xfrm>
+          <a:prstGeom prst="chevron">
+            <a:avLst/>
+          </a:prstGeom>
+          <a:solidFill>
+            <a:schemeClr val="accent5">
+              <a:lumMod val="60000"/>
+              <a:lumOff val="40000"/>
+            </a:schemeClr>
+          </a:solidFill>
+          <a:ln>
+            <a:noFill/>
+          </a:ln>
+        </p:spPr>
+        <p:style>
+          <a:lnRef idx="2">
+            <a:schemeClr val="accent1">
+              <a:shade val="50000"/>
+            </a:schemeClr>
+          </a:lnRef>
+          <a:fillRef idx="1">
+            <a:schemeClr val="accent1"/>
+          </a:fillRef>
+          <a:effectRef idx="0">
+            <a:schemeClr val="accent1"/>
+          </a:effectRef>
+          <a:fontRef idx="minor">
+            <a:schemeClr val="lt1"/>
+          </a:fontRef>
+        </p:style>
+        <p:txBody>
+          <a:bodyPr rtlCol="0" anchor="ctr"/>
+          <a:lstStyle/>
+          <a:p>
+            <a:pPr algn="ctr"/>
+            <a:endParaRPr lang="ko-KR" altLang="en-US" sz="1050" dirty="0">
+              <a:solidFill>
+                <a:schemeClr val="tx1"/>
+              </a:solidFill>
+              <a:latin typeface="에스코어 드림 4 Regular" panose="020B0503030302020204" pitchFamily="34" charset="-127"/>
+              <a:ea typeface="에스코어 드림 4 Regular" panose="020B0503030302020204" pitchFamily="34" charset="-127"/>
+            </a:endParaRPr>
+          </a:p>
+        </p:txBody>
+      </p:sp>
+    </p:spTree>
+    <p:extLst>
+      <p:ext uri="{BB962C8B-B14F-4D97-AF65-F5344CB8AC3E}">
+        <p14:creationId xmlns:p14="http://schemas.microsoft.com/office/powerpoint/2010/main" val="3197056771"/>
+      </p:ext>
+    </p:extLst>
+  </p:cSld>
+  <p:clrMapOvr>
+    <a:masterClrMapping/>
+  </p:clrMapOvr>
+</p:sld>
+</file>
+
+<file path=ppt/slides/slide3.xml><?xml version="1.0" encoding="utf-8"?>
+<p:sld xmlns:a="http://schemas.openxmlformats.org/drawingml/2006/main" xmlns:r="http://schemas.openxmlformats.org/officeDocument/2006/relationships" xmlns:p="http://schemas.openxmlformats.org/presentationml/2006/main">
+  <p:cSld>
+    <p:spTree>
+      <p:nvGrpSpPr>
+        <p:cNvPr id="1" name=""/>
+        <p:cNvGrpSpPr/>
+        <p:nvPr/>
+      </p:nvGrpSpPr>
+      <p:grpSpPr>
+        <a:xfrm>
+          <a:off x="0" y="0"/>
+          <a:ext cx="0" cy="0"/>
+          <a:chOff x="0" y="0"/>
+          <a:chExt cx="0" cy="0"/>
+        </a:xfrm>
+      </p:grpSpPr>
+      <p:cxnSp>
+        <p:nvCxnSpPr>
+          <p:cNvPr id="8" name="직선 연결선 7">
+            <a:extLst>
+              <a:ext uri="{FF2B5EF4-FFF2-40B4-BE49-F238E27FC236}">
+                <a16:creationId xmlns:a16="http://schemas.microsoft.com/office/drawing/2014/main" id="{501BACC7-4D07-F295-00B1-994D20682953}"/>
+              </a:ext>
+            </a:extLst>
+          </p:cNvPr>
+          <p:cNvCxnSpPr>
+            <a:cxnSpLocks/>
+          </p:cNvCxnSpPr>
+          <p:nvPr/>
+        </p:nvCxnSpPr>
+        <p:spPr>
+          <a:xfrm>
+            <a:off x="5149516" y="630617"/>
+            <a:ext cx="0" cy="4469732"/>
+          </a:xfrm>
+          <a:prstGeom prst="line">
+            <a:avLst/>
+          </a:prstGeom>
+          <a:ln w="38100">
+            <a:solidFill>
+              <a:schemeClr val="accent4">
+                <a:lumMod val="60000"/>
+                <a:lumOff val="40000"/>
+              </a:schemeClr>
+            </a:solidFill>
+            <a:prstDash val="dash"/>
+          </a:ln>
+        </p:spPr>
+        <p:style>
+          <a:lnRef idx="1">
+            <a:schemeClr val="accent1"/>
+          </a:lnRef>
+          <a:fillRef idx="0">
+            <a:schemeClr val="accent1"/>
+          </a:fillRef>
+          <a:effectRef idx="0">
+            <a:schemeClr val="accent1"/>
+          </a:effectRef>
+          <a:fontRef idx="minor">
+            <a:schemeClr val="tx1"/>
+          </a:fontRef>
+        </p:style>
+      </p:cxnSp>
+      <p:sp>
+        <p:nvSpPr>
+          <p:cNvPr id="14" name="화살표: 오각형 13">
+            <a:extLst>
+              <a:ext uri="{FF2B5EF4-FFF2-40B4-BE49-F238E27FC236}">
+                <a16:creationId xmlns:a16="http://schemas.microsoft.com/office/drawing/2014/main" id="{B361CB9B-7A6C-94CD-6763-0C4F918406FC}"/>
+              </a:ext>
+            </a:extLst>
+          </p:cNvPr>
+          <p:cNvSpPr/>
+          <p:nvPr/>
+        </p:nvSpPr>
+        <p:spPr>
+          <a:xfrm>
+            <a:off x="1295982" y="2338726"/>
+            <a:ext cx="1122466" cy="536637"/>
+          </a:xfrm>
+          <a:prstGeom prst="homePlate">
+            <a:avLst/>
+          </a:prstGeom>
+          <a:solidFill>
+            <a:schemeClr val="accent5">
+              <a:lumMod val="40000"/>
+              <a:lumOff val="60000"/>
+            </a:schemeClr>
+          </a:solidFill>
+          <a:ln>
+            <a:noFill/>
+          </a:ln>
+        </p:spPr>
+        <p:style>
+          <a:lnRef idx="2">
+            <a:schemeClr val="accent1">
+              <a:shade val="50000"/>
+            </a:schemeClr>
+          </a:lnRef>
+          <a:fillRef idx="1">
+            <a:schemeClr val="accent1"/>
+          </a:fillRef>
+          <a:effectRef idx="0">
+            <a:schemeClr val="accent1"/>
+          </a:effectRef>
+          <a:fontRef idx="minor">
+            <a:schemeClr val="lt1"/>
+          </a:fontRef>
+        </p:style>
+        <p:txBody>
+          <a:bodyPr rtlCol="0" anchor="ctr"/>
+          <a:lstStyle/>
+          <a:p>
+            <a:pPr algn="ctr"/>
+            <a:r>
+              <a:rPr lang="en-US" altLang="ko-KR" sz="1050" dirty="0">
+                <a:solidFill>
+                  <a:schemeClr val="tx1"/>
+                </a:solidFill>
+                <a:latin typeface="에스코어 드림 4 Regular" panose="020B0503030302020204" pitchFamily="34" charset="-127"/>
+                <a:ea typeface="에스코어 드림 4 Regular" panose="020B0503030302020204" pitchFamily="34" charset="-127"/>
+              </a:rPr>
+              <a:t>LOGIC</a:t>
+            </a:r>
+          </a:p>
+          <a:p>
+            <a:pPr algn="ctr"/>
+            <a:r>
+              <a:rPr lang="en-US" altLang="ko-KR" sz="1050" dirty="0">
+                <a:solidFill>
+                  <a:schemeClr val="tx1"/>
+                </a:solidFill>
+                <a:latin typeface="에스코어 드림 4 Regular" panose="020B0503030302020204" pitchFamily="34" charset="-127"/>
+                <a:ea typeface="에스코어 드림 4 Regular" panose="020B0503030302020204" pitchFamily="34" charset="-127"/>
+              </a:rPr>
+              <a:t>THREAD</a:t>
+            </a:r>
+            <a:endParaRPr lang="ko-KR" altLang="en-US" sz="1050" dirty="0">
+              <a:solidFill>
+                <a:schemeClr val="tx1"/>
+              </a:solidFill>
+              <a:latin typeface="에스코어 드림 4 Regular" panose="020B0503030302020204" pitchFamily="34" charset="-127"/>
+              <a:ea typeface="에스코어 드림 4 Regular" panose="020B0503030302020204" pitchFamily="34" charset="-127"/>
+            </a:endParaRPr>
+          </a:p>
+        </p:txBody>
+      </p:sp>
+      <p:sp>
+        <p:nvSpPr>
+          <p:cNvPr id="15" name="화살표: 오각형 14">
+            <a:extLst>
+              <a:ext uri="{FF2B5EF4-FFF2-40B4-BE49-F238E27FC236}">
+                <a16:creationId xmlns:a16="http://schemas.microsoft.com/office/drawing/2014/main" id="{352A5CBB-2F17-6519-979B-9BF4F16AE5A3}"/>
+              </a:ext>
+            </a:extLst>
+          </p:cNvPr>
+          <p:cNvSpPr/>
+          <p:nvPr/>
+        </p:nvSpPr>
+        <p:spPr>
+          <a:xfrm>
+            <a:off x="1295982" y="4203539"/>
+            <a:ext cx="1122466" cy="536637"/>
+          </a:xfrm>
+          <a:prstGeom prst="homePlate">
+            <a:avLst/>
+          </a:prstGeom>
+          <a:solidFill>
+            <a:schemeClr val="accent4">
+              <a:lumMod val="60000"/>
+              <a:lumOff val="40000"/>
+            </a:schemeClr>
+          </a:solidFill>
+          <a:ln>
+            <a:noFill/>
+          </a:ln>
+        </p:spPr>
+        <p:style>
+          <a:lnRef idx="2">
+            <a:schemeClr val="accent1">
+              <a:shade val="50000"/>
+            </a:schemeClr>
+          </a:lnRef>
+          <a:fillRef idx="1">
+            <a:schemeClr val="accent1"/>
+          </a:fillRef>
+          <a:effectRef idx="0">
+            <a:schemeClr val="accent1"/>
+          </a:effectRef>
+          <a:fontRef idx="minor">
+            <a:schemeClr val="lt1"/>
+          </a:fontRef>
+        </p:style>
+        <p:txBody>
+          <a:bodyPr rtlCol="0" anchor="ctr"/>
+          <a:lstStyle/>
+          <a:p>
+            <a:pPr algn="ctr"/>
+            <a:r>
+              <a:rPr lang="en-US" altLang="ko-KR" sz="1050" dirty="0">
+                <a:solidFill>
+                  <a:schemeClr val="tx1"/>
+                </a:solidFill>
+                <a:latin typeface="에스코어 드림 4 Regular" panose="020B0503030302020204" pitchFamily="34" charset="-127"/>
+                <a:ea typeface="에스코어 드림 4 Regular" panose="020B0503030302020204" pitchFamily="34" charset="-127"/>
+              </a:rPr>
+              <a:t>RENDER</a:t>
+            </a:r>
+          </a:p>
+          <a:p>
+            <a:pPr algn="ctr"/>
+            <a:r>
+              <a:rPr lang="en-US" altLang="ko-KR" sz="1050" dirty="0">
+                <a:solidFill>
+                  <a:schemeClr val="tx1"/>
+                </a:solidFill>
+                <a:latin typeface="에스코어 드림 4 Regular" panose="020B0503030302020204" pitchFamily="34" charset="-127"/>
+                <a:ea typeface="에스코어 드림 4 Regular" panose="020B0503030302020204" pitchFamily="34" charset="-127"/>
+              </a:rPr>
+              <a:t>THREADS</a:t>
+            </a:r>
+            <a:endParaRPr lang="ko-KR" altLang="en-US" sz="1050" dirty="0">
+              <a:solidFill>
+                <a:schemeClr val="tx1"/>
+              </a:solidFill>
+              <a:latin typeface="에스코어 드림 4 Regular" panose="020B0503030302020204" pitchFamily="34" charset="-127"/>
+              <a:ea typeface="에스코어 드림 4 Regular" panose="020B0503030302020204" pitchFamily="34" charset="-127"/>
+            </a:endParaRPr>
+          </a:p>
+        </p:txBody>
+      </p:sp>
+      <p:sp>
+        <p:nvSpPr>
+          <p:cNvPr id="18" name="화살표: 갈매기형 수장 17">
+            <a:extLst>
+              <a:ext uri="{FF2B5EF4-FFF2-40B4-BE49-F238E27FC236}">
+                <a16:creationId xmlns:a16="http://schemas.microsoft.com/office/drawing/2014/main" id="{77B46E2E-3012-D5FD-9A59-9DE72B80CC8E}"/>
+              </a:ext>
+            </a:extLst>
+          </p:cNvPr>
+          <p:cNvSpPr/>
+          <p:nvPr/>
+        </p:nvSpPr>
+        <p:spPr>
+          <a:xfrm>
+            <a:off x="2237617" y="2338726"/>
+            <a:ext cx="4436398" cy="536637"/>
+          </a:xfrm>
+          <a:prstGeom prst="chevron">
+            <a:avLst/>
+          </a:prstGeom>
+          <a:solidFill>
+            <a:schemeClr val="accent5">
+              <a:lumMod val="40000"/>
+              <a:lumOff val="60000"/>
+            </a:schemeClr>
+          </a:solidFill>
+          <a:ln>
+            <a:noFill/>
+          </a:ln>
+        </p:spPr>
+        <p:style>
+          <a:lnRef idx="2">
+            <a:schemeClr val="accent1">
+              <a:shade val="50000"/>
+            </a:schemeClr>
+          </a:lnRef>
+          <a:fillRef idx="1">
+            <a:schemeClr val="accent1"/>
+          </a:fillRef>
+          <a:effectRef idx="0">
+            <a:schemeClr val="accent1"/>
+          </a:effectRef>
+          <a:fontRef idx="minor">
+            <a:schemeClr val="lt1"/>
+          </a:fontRef>
+        </p:style>
+        <p:txBody>
+          <a:bodyPr rtlCol="0" anchor="ctr"/>
+          <a:lstStyle/>
+          <a:p>
+            <a:pPr algn="ctr"/>
+            <a:r>
+              <a:rPr lang="ko-KR" altLang="en-US" sz="1050" dirty="0">
+                <a:solidFill>
+                  <a:schemeClr val="tx1"/>
+                </a:solidFill>
+                <a:latin typeface="에스코어 드림 4 Regular" panose="020B0503030302020204" pitchFamily="34" charset="-127"/>
+                <a:ea typeface="에스코어 드림 4 Regular" panose="020B0503030302020204" pitchFamily="34" charset="-127"/>
+              </a:rPr>
+              <a:t>네트워크 </a:t>
+            </a:r>
+            <a:r>
+              <a:rPr lang="en-US" altLang="ko-KR" sz="1050" dirty="0">
+                <a:solidFill>
+                  <a:schemeClr val="tx1"/>
+                </a:solidFill>
+                <a:latin typeface="에스코어 드림 4 Regular" panose="020B0503030302020204" pitchFamily="34" charset="-127"/>
+                <a:ea typeface="에스코어 드림 4 Regular" panose="020B0503030302020204" pitchFamily="34" charset="-127"/>
+              </a:rPr>
+              <a:t>/ </a:t>
+            </a:r>
+            <a:r>
+              <a:rPr lang="ko-KR" altLang="en-US" sz="1050" dirty="0">
+                <a:solidFill>
+                  <a:schemeClr val="tx1"/>
+                </a:solidFill>
+                <a:latin typeface="에스코어 드림 4 Regular" panose="020B0503030302020204" pitchFamily="34" charset="-127"/>
+                <a:ea typeface="에스코어 드림 4 Regular" panose="020B0503030302020204" pitchFamily="34" charset="-127"/>
+              </a:rPr>
+              <a:t>게임 로직 처리</a:t>
+            </a:r>
+          </a:p>
+        </p:txBody>
+      </p:sp>
+      <p:sp>
+        <p:nvSpPr>
+          <p:cNvPr id="19" name="화살표: 갈매기형 수장 18">
+            <a:extLst>
+              <a:ext uri="{FF2B5EF4-FFF2-40B4-BE49-F238E27FC236}">
+                <a16:creationId xmlns:a16="http://schemas.microsoft.com/office/drawing/2014/main" id="{539B3399-A2D9-09DB-8E2D-2C21DCE55B86}"/>
+              </a:ext>
+            </a:extLst>
+          </p:cNvPr>
+          <p:cNvSpPr/>
+          <p:nvPr/>
+        </p:nvSpPr>
+        <p:spPr>
+          <a:xfrm>
+            <a:off x="2231978" y="4203539"/>
+            <a:ext cx="1623326" cy="536637"/>
+          </a:xfrm>
+          <a:prstGeom prst="chevron">
+            <a:avLst/>
+          </a:prstGeom>
+          <a:solidFill>
+            <a:schemeClr val="accent5">
+              <a:lumMod val="60000"/>
+              <a:lumOff val="40000"/>
+            </a:schemeClr>
+          </a:solidFill>
+          <a:ln>
+            <a:noFill/>
+          </a:ln>
+        </p:spPr>
+        <p:style>
+          <a:lnRef idx="2">
+            <a:schemeClr val="accent1">
+              <a:shade val="50000"/>
+            </a:schemeClr>
+          </a:lnRef>
+          <a:fillRef idx="1">
+            <a:schemeClr val="accent1"/>
+          </a:fillRef>
+          <a:effectRef idx="0">
+            <a:schemeClr val="accent1"/>
+          </a:effectRef>
+          <a:fontRef idx="minor">
+            <a:schemeClr val="lt1"/>
+          </a:fontRef>
+        </p:style>
+        <p:txBody>
+          <a:bodyPr rtlCol="0" anchor="ctr"/>
+          <a:lstStyle/>
+          <a:p>
+            <a:pPr algn="ctr"/>
+            <a:r>
+              <a:rPr lang="en-US" altLang="ko-KR" sz="1050" dirty="0">
+                <a:solidFill>
+                  <a:schemeClr val="tx1"/>
+                </a:solidFill>
+                <a:latin typeface="에스코어 드림 4 Regular" panose="020B0503030302020204" pitchFamily="34" charset="-127"/>
+                <a:ea typeface="에스코어 드림 4 Regular" panose="020B0503030302020204" pitchFamily="34" charset="-127"/>
+              </a:rPr>
+              <a:t>UPDATE</a:t>
+            </a:r>
+            <a:endParaRPr lang="ko-KR" altLang="en-US" sz="1050" dirty="0">
+              <a:solidFill>
+                <a:schemeClr val="tx1"/>
+              </a:solidFill>
+              <a:latin typeface="에스코어 드림 4 Regular" panose="020B0503030302020204" pitchFamily="34" charset="-127"/>
+              <a:ea typeface="에스코어 드림 4 Regular" panose="020B0503030302020204" pitchFamily="34" charset="-127"/>
+            </a:endParaRPr>
+          </a:p>
+        </p:txBody>
+      </p:sp>
+      <p:sp>
+        <p:nvSpPr>
+          <p:cNvPr id="20" name="화살표: 갈매기형 수장 19">
+            <a:extLst>
+              <a:ext uri="{FF2B5EF4-FFF2-40B4-BE49-F238E27FC236}">
+                <a16:creationId xmlns:a16="http://schemas.microsoft.com/office/drawing/2014/main" id="{69C71618-A58A-070C-1AF8-577CC4DAB7C5}"/>
+              </a:ext>
+            </a:extLst>
+          </p:cNvPr>
+          <p:cNvSpPr/>
+          <p:nvPr/>
+        </p:nvSpPr>
+        <p:spPr>
+          <a:xfrm>
+            <a:off x="3668833" y="4203539"/>
+            <a:ext cx="1583476" cy="536637"/>
+          </a:xfrm>
+          <a:prstGeom prst="chevron">
+            <a:avLst/>
+          </a:prstGeom>
+          <a:solidFill>
+            <a:schemeClr val="accent6">
+              <a:lumMod val="60000"/>
+              <a:lumOff val="40000"/>
+            </a:schemeClr>
+          </a:solidFill>
+          <a:ln>
+            <a:noFill/>
+          </a:ln>
+        </p:spPr>
+        <p:style>
+          <a:lnRef idx="2">
+            <a:schemeClr val="accent1">
+              <a:shade val="50000"/>
+            </a:schemeClr>
+          </a:lnRef>
+          <a:fillRef idx="1">
+            <a:schemeClr val="accent1"/>
+          </a:fillRef>
+          <a:effectRef idx="0">
+            <a:schemeClr val="accent1"/>
+          </a:effectRef>
+          <a:fontRef idx="minor">
+            <a:schemeClr val="lt1"/>
+          </a:fontRef>
+        </p:style>
+        <p:txBody>
+          <a:bodyPr rtlCol="0" anchor="ctr"/>
+          <a:lstStyle/>
+          <a:p>
+            <a:pPr algn="ctr"/>
+            <a:r>
+              <a:rPr lang="en-US" altLang="ko-KR" sz="1050" dirty="0">
+                <a:solidFill>
+                  <a:schemeClr val="tx1"/>
+                </a:solidFill>
+                <a:latin typeface="에스코어 드림 4 Regular" panose="020B0503030302020204" pitchFamily="34" charset="-127"/>
+                <a:ea typeface="에스코어 드림 4 Regular" panose="020B0503030302020204" pitchFamily="34" charset="-127"/>
+              </a:rPr>
+              <a:t>UPDATE</a:t>
+            </a:r>
+            <a:endParaRPr lang="ko-KR" altLang="en-US" sz="1050" dirty="0">
+              <a:solidFill>
+                <a:schemeClr val="tx1"/>
+              </a:solidFill>
+              <a:latin typeface="에스코어 드림 4 Regular" panose="020B0503030302020204" pitchFamily="34" charset="-127"/>
+              <a:ea typeface="에스코어 드림 4 Regular" panose="020B0503030302020204" pitchFamily="34" charset="-127"/>
+            </a:endParaRPr>
+          </a:p>
+        </p:txBody>
+      </p:sp>
+      <p:sp>
+        <p:nvSpPr>
+          <p:cNvPr id="22" name="화살표: 갈매기형 수장 21">
+            <a:extLst>
+              <a:ext uri="{FF2B5EF4-FFF2-40B4-BE49-F238E27FC236}">
+                <a16:creationId xmlns:a16="http://schemas.microsoft.com/office/drawing/2014/main" id="{6CCF1F8B-DBC2-16DF-8601-32E333CF54DA}"/>
+              </a:ext>
+            </a:extLst>
+          </p:cNvPr>
+          <p:cNvSpPr/>
+          <p:nvPr/>
+        </p:nvSpPr>
+        <p:spPr>
+          <a:xfrm>
+            <a:off x="5516541" y="4203539"/>
+            <a:ext cx="601395" cy="536637"/>
+          </a:xfrm>
+          <a:prstGeom prst="chevron">
+            <a:avLst/>
+          </a:prstGeom>
+          <a:solidFill>
+            <a:schemeClr val="accent6">
+              <a:lumMod val="60000"/>
+              <a:lumOff val="40000"/>
+            </a:schemeClr>
+          </a:solidFill>
+          <a:ln>
+            <a:noFill/>
+          </a:ln>
+        </p:spPr>
+        <p:style>
+          <a:lnRef idx="2">
+            <a:schemeClr val="accent1">
+              <a:shade val="50000"/>
+            </a:schemeClr>
+          </a:lnRef>
+          <a:fillRef idx="1">
+            <a:schemeClr val="accent1"/>
+          </a:fillRef>
+          <a:effectRef idx="0">
+            <a:schemeClr val="accent1"/>
+          </a:effectRef>
+          <a:fontRef idx="minor">
+            <a:schemeClr val="lt1"/>
+          </a:fontRef>
+        </p:style>
+        <p:txBody>
+          <a:bodyPr rtlCol="0" anchor="ctr"/>
+          <a:lstStyle/>
+          <a:p>
+            <a:pPr algn="ctr"/>
+            <a:endParaRPr lang="ko-KR" altLang="en-US" sz="1050" dirty="0">
+              <a:solidFill>
+                <a:schemeClr val="tx1"/>
+              </a:solidFill>
+              <a:latin typeface="에스코어 드림 4 Regular" panose="020B0503030302020204" pitchFamily="34" charset="-127"/>
+              <a:ea typeface="에스코어 드림 4 Regular" panose="020B0503030302020204" pitchFamily="34" charset="-127"/>
+            </a:endParaRPr>
+          </a:p>
+        </p:txBody>
+      </p:sp>
+      <p:sp>
+        <p:nvSpPr>
+          <p:cNvPr id="23" name="화살표: 갈매기형 수장 22">
+            <a:extLst>
+              <a:ext uri="{FF2B5EF4-FFF2-40B4-BE49-F238E27FC236}">
+                <a16:creationId xmlns:a16="http://schemas.microsoft.com/office/drawing/2014/main" id="{6930BDF8-DDB7-79DD-BF59-5CB6F185BB8D}"/>
+              </a:ext>
+            </a:extLst>
+          </p:cNvPr>
+          <p:cNvSpPr/>
+          <p:nvPr/>
+        </p:nvSpPr>
+        <p:spPr>
+          <a:xfrm>
+            <a:off x="5065838" y="4203539"/>
+            <a:ext cx="637173" cy="536637"/>
+          </a:xfrm>
+          <a:prstGeom prst="chevron">
+            <a:avLst/>
+          </a:prstGeom>
+          <a:solidFill>
+            <a:schemeClr val="accent5">
+              <a:lumMod val="60000"/>
+              <a:lumOff val="40000"/>
+            </a:schemeClr>
+          </a:solidFill>
+          <a:ln>
+            <a:noFill/>
+          </a:ln>
+        </p:spPr>
+        <p:style>
+          <a:lnRef idx="2">
+            <a:schemeClr val="accent1">
+              <a:shade val="50000"/>
+            </a:schemeClr>
+          </a:lnRef>
+          <a:fillRef idx="1">
+            <a:schemeClr val="accent1"/>
+          </a:fillRef>
+          <a:effectRef idx="0">
+            <a:schemeClr val="accent1"/>
+          </a:effectRef>
+          <a:fontRef idx="minor">
+            <a:schemeClr val="lt1"/>
+          </a:fontRef>
+        </p:style>
+        <p:txBody>
+          <a:bodyPr rtlCol="0" anchor="ctr"/>
+          <a:lstStyle/>
+          <a:p>
+            <a:pPr algn="ctr"/>
+            <a:endParaRPr lang="ko-KR" altLang="en-US" sz="1050" dirty="0">
+              <a:solidFill>
+                <a:schemeClr val="tx1"/>
+              </a:solidFill>
+              <a:latin typeface="에스코어 드림 4 Regular" panose="020B0503030302020204" pitchFamily="34" charset="-127"/>
+              <a:ea typeface="에스코어 드림 4 Regular" panose="020B0503030302020204" pitchFamily="34" charset="-127"/>
+            </a:endParaRPr>
+          </a:p>
+        </p:txBody>
+      </p:sp>
+      <p:sp>
+        <p:nvSpPr>
+          <p:cNvPr id="28" name="화살표: 갈매기형 수장 27">
+            <a:extLst>
+              <a:ext uri="{FF2B5EF4-FFF2-40B4-BE49-F238E27FC236}">
+                <a16:creationId xmlns:a16="http://schemas.microsoft.com/office/drawing/2014/main" id="{9F620F66-EEF9-10AD-835E-13A1CE7336AF}"/>
+              </a:ext>
+            </a:extLst>
+          </p:cNvPr>
+          <p:cNvSpPr/>
+          <p:nvPr/>
+        </p:nvSpPr>
+        <p:spPr>
+          <a:xfrm>
+            <a:off x="5931466" y="4203539"/>
+            <a:ext cx="637173" cy="536637"/>
+          </a:xfrm>
+          <a:prstGeom prst="chevron">
+            <a:avLst/>
+          </a:prstGeom>
+          <a:solidFill>
+            <a:schemeClr val="accent5">
+              <a:lumMod val="60000"/>
+              <a:lumOff val="40000"/>
+            </a:schemeClr>
+          </a:solidFill>
+          <a:ln>
+            <a:noFill/>
+          </a:ln>
+        </p:spPr>
+        <p:style>
+          <a:lnRef idx="2">
+            <a:schemeClr val="accent1">
+              <a:shade val="50000"/>
+            </a:schemeClr>
+          </a:lnRef>
+          <a:fillRef idx="1">
+            <a:schemeClr val="accent1"/>
+          </a:fillRef>
+          <a:effectRef idx="0">
+            <a:schemeClr val="accent1"/>
+          </a:effectRef>
+          <a:fontRef idx="minor">
+            <a:schemeClr val="lt1"/>
+          </a:fontRef>
+        </p:style>
+        <p:txBody>
+          <a:bodyPr rtlCol="0" anchor="ctr"/>
+          <a:lstStyle/>
+          <a:p>
+            <a:pPr algn="ctr"/>
+            <a:endParaRPr lang="ko-KR" altLang="en-US" sz="1050" dirty="0">
+              <a:solidFill>
+                <a:schemeClr val="tx1"/>
+              </a:solidFill>
+              <a:latin typeface="에스코어 드림 4 Regular" panose="020B0503030302020204" pitchFamily="34" charset="-127"/>
+              <a:ea typeface="에스코어 드림 4 Regular" panose="020B0503030302020204" pitchFamily="34" charset="-127"/>
+            </a:endParaRPr>
+          </a:p>
+        </p:txBody>
+      </p:sp>
+      <p:sp>
+        <p:nvSpPr>
+          <p:cNvPr id="3" name="화살표: 오른쪽 2">
+            <a:extLst>
+              <a:ext uri="{FF2B5EF4-FFF2-40B4-BE49-F238E27FC236}">
+                <a16:creationId xmlns:a16="http://schemas.microsoft.com/office/drawing/2014/main" id="{CF350F5D-B523-C526-292D-C7B22EBCDE78}"/>
+              </a:ext>
+            </a:extLst>
+          </p:cNvPr>
+          <p:cNvSpPr/>
+          <p:nvPr/>
+        </p:nvSpPr>
+        <p:spPr>
+          <a:xfrm rot="5400000">
+            <a:off x="2142860" y="1737646"/>
+            <a:ext cx="794801" cy="254903"/>
+          </a:xfrm>
+          <a:prstGeom prst="rightArrow">
+            <a:avLst/>
+          </a:prstGeom>
+          <a:solidFill>
+            <a:schemeClr val="accent2">
+              <a:lumMod val="60000"/>
+              <a:lumOff val="40000"/>
+            </a:schemeClr>
+          </a:solidFill>
+          <a:ln>
+            <a:noFill/>
+          </a:ln>
+        </p:spPr>
+        <p:style>
+          <a:lnRef idx="2">
+            <a:schemeClr val="accent1">
+              <a:shade val="50000"/>
+            </a:schemeClr>
+          </a:lnRef>
+          <a:fillRef idx="1">
+            <a:schemeClr val="accent1"/>
+          </a:fillRef>
+          <a:effectRef idx="0">
+            <a:schemeClr val="accent1"/>
+          </a:effectRef>
+          <a:fontRef idx="minor">
+            <a:schemeClr val="lt1"/>
+          </a:fontRef>
+        </p:style>
+        <p:txBody>
+          <a:bodyPr rtlCol="0" anchor="ctr"/>
+          <a:lstStyle/>
+          <a:p>
+            <a:pPr algn="ctr"/>
+            <a:endParaRPr lang="ko-KR" altLang="en-US" sz="1200"/>
+          </a:p>
+        </p:txBody>
+      </p:sp>
+      <p:sp>
+        <p:nvSpPr>
+          <p:cNvPr id="4" name="화살표: 오각형 3">
+            <a:extLst>
+              <a:ext uri="{FF2B5EF4-FFF2-40B4-BE49-F238E27FC236}">
+                <a16:creationId xmlns:a16="http://schemas.microsoft.com/office/drawing/2014/main" id="{0BFED882-78DA-C1E9-D7F4-28B522CFF36D}"/>
+              </a:ext>
+            </a:extLst>
+          </p:cNvPr>
+          <p:cNvSpPr/>
+          <p:nvPr/>
+        </p:nvSpPr>
+        <p:spPr>
+          <a:xfrm>
+            <a:off x="1290343" y="854832"/>
+            <a:ext cx="1122466" cy="536637"/>
+          </a:xfrm>
+          <a:prstGeom prst="homePlate">
+            <a:avLst/>
+          </a:prstGeom>
+          <a:solidFill>
+            <a:schemeClr val="accent2">
+              <a:lumMod val="60000"/>
+              <a:lumOff val="40000"/>
+            </a:schemeClr>
+          </a:solidFill>
+          <a:ln>
+            <a:noFill/>
+          </a:ln>
+        </p:spPr>
+        <p:style>
+          <a:lnRef idx="2">
+            <a:schemeClr val="accent1">
+              <a:shade val="50000"/>
+            </a:schemeClr>
+          </a:lnRef>
+          <a:fillRef idx="1">
+            <a:schemeClr val="accent1"/>
+          </a:fillRef>
+          <a:effectRef idx="0">
+            <a:schemeClr val="accent1"/>
+          </a:effectRef>
+          <a:fontRef idx="minor">
+            <a:schemeClr val="lt1"/>
+          </a:fontRef>
+        </p:style>
+        <p:txBody>
+          <a:bodyPr rtlCol="0" anchor="ctr"/>
+          <a:lstStyle/>
+          <a:p>
+            <a:pPr algn="ctr"/>
+            <a:r>
+              <a:rPr lang="en-US" altLang="ko-KR" sz="1050" dirty="0">
+                <a:solidFill>
+                  <a:schemeClr val="tx1"/>
+                </a:solidFill>
+                <a:latin typeface="에스코어 드림 4 Regular" panose="020B0503030302020204" pitchFamily="34" charset="-127"/>
+                <a:ea typeface="에스코어 드림 4 Regular" panose="020B0503030302020204" pitchFamily="34" charset="-127"/>
+              </a:rPr>
+              <a:t>SERVER</a:t>
+            </a:r>
+            <a:endParaRPr lang="ko-KR" altLang="en-US" sz="1050" dirty="0">
+              <a:solidFill>
+                <a:schemeClr val="tx1"/>
+              </a:solidFill>
+              <a:latin typeface="에스코어 드림 4 Regular" panose="020B0503030302020204" pitchFamily="34" charset="-127"/>
+              <a:ea typeface="에스코어 드림 4 Regular" panose="020B0503030302020204" pitchFamily="34" charset="-127"/>
+            </a:endParaRPr>
+          </a:p>
+        </p:txBody>
+      </p:sp>
+      <p:sp>
+        <p:nvSpPr>
+          <p:cNvPr id="5" name="화살표: 갈매기형 수장 4">
+            <a:extLst>
+              <a:ext uri="{FF2B5EF4-FFF2-40B4-BE49-F238E27FC236}">
+                <a16:creationId xmlns:a16="http://schemas.microsoft.com/office/drawing/2014/main" id="{03551B51-7E4C-FE23-954B-029DB07876FE}"/>
+              </a:ext>
+            </a:extLst>
+          </p:cNvPr>
+          <p:cNvSpPr/>
+          <p:nvPr/>
+        </p:nvSpPr>
+        <p:spPr>
+          <a:xfrm>
+            <a:off x="2231978" y="854832"/>
+            <a:ext cx="4436398" cy="536637"/>
+          </a:xfrm>
+          <a:prstGeom prst="chevron">
+            <a:avLst/>
+          </a:prstGeom>
+          <a:solidFill>
+            <a:schemeClr val="accent2">
+              <a:lumMod val="60000"/>
+              <a:lumOff val="40000"/>
+            </a:schemeClr>
+          </a:solidFill>
+          <a:ln>
+            <a:noFill/>
+          </a:ln>
+        </p:spPr>
+        <p:style>
+          <a:lnRef idx="2">
+            <a:schemeClr val="accent1">
+              <a:shade val="50000"/>
+            </a:schemeClr>
+          </a:lnRef>
+          <a:fillRef idx="1">
+            <a:schemeClr val="accent1"/>
+          </a:fillRef>
+          <a:effectRef idx="0">
+            <a:schemeClr val="accent1"/>
+          </a:effectRef>
+          <a:fontRef idx="minor">
+            <a:schemeClr val="lt1"/>
+          </a:fontRef>
+        </p:style>
+        <p:txBody>
+          <a:bodyPr rtlCol="0" anchor="ctr"/>
+          <a:lstStyle/>
+          <a:p>
+            <a:pPr algn="ctr"/>
+            <a:r>
+              <a:rPr lang="ko-KR" altLang="en-US" sz="1050" dirty="0">
+                <a:solidFill>
+                  <a:schemeClr val="tx1"/>
+                </a:solidFill>
+                <a:latin typeface="에스코어 드림 4 Regular" panose="020B0503030302020204" pitchFamily="34" charset="-127"/>
+                <a:ea typeface="에스코어 드림 4 Regular" panose="020B0503030302020204" pitchFamily="34" charset="-127"/>
+              </a:rPr>
+              <a:t>이동 정보 </a:t>
+            </a:r>
+            <a:r>
+              <a:rPr lang="en-US" altLang="ko-KR" sz="1050" dirty="0">
+                <a:solidFill>
+                  <a:schemeClr val="tx1"/>
+                </a:solidFill>
+                <a:latin typeface="에스코어 드림 4 Regular" panose="020B0503030302020204" pitchFamily="34" charset="-127"/>
+                <a:ea typeface="에스코어 드림 4 Regular" panose="020B0503030302020204" pitchFamily="34" charset="-127"/>
+              </a:rPr>
+              <a:t>ROOM </a:t>
+            </a:r>
+            <a:r>
+              <a:rPr lang="ko-KR" altLang="en-US" sz="1050" dirty="0">
+                <a:solidFill>
+                  <a:schemeClr val="tx1"/>
+                </a:solidFill>
+                <a:latin typeface="에스코어 드림 4 Regular" panose="020B0503030302020204" pitchFamily="34" charset="-127"/>
+                <a:ea typeface="에스코어 드림 4 Regular" panose="020B0503030302020204" pitchFamily="34" charset="-127"/>
+              </a:rPr>
+              <a:t>내 유저에게 전송</a:t>
+            </a:r>
+          </a:p>
+        </p:txBody>
+      </p:sp>
+      <p:sp>
+        <p:nvSpPr>
+          <p:cNvPr id="11" name="TextBox 10">
+            <a:extLst>
+              <a:ext uri="{FF2B5EF4-FFF2-40B4-BE49-F238E27FC236}">
+                <a16:creationId xmlns:a16="http://schemas.microsoft.com/office/drawing/2014/main" id="{800DBB43-0EB8-4779-BDC0-E3E1BC1F920F}"/>
+              </a:ext>
+            </a:extLst>
+          </p:cNvPr>
+          <p:cNvSpPr txBox="1"/>
+          <p:nvPr/>
+        </p:nvSpPr>
+        <p:spPr>
+          <a:xfrm>
+            <a:off x="4478755" y="266260"/>
+            <a:ext cx="1341522" cy="369332"/>
+          </a:xfrm>
+          <a:prstGeom prst="rect">
+            <a:avLst/>
+          </a:prstGeom>
+          <a:noFill/>
+        </p:spPr>
+        <p:txBody>
+          <a:bodyPr wrap="square">
+            <a:spAutoFit/>
+          </a:bodyPr>
+          <a:lstStyle/>
+          <a:p>
+            <a:pPr algn="ctr"/>
+            <a:r>
+              <a:rPr lang="ko-KR" altLang="en-US" dirty="0">
+                <a:latin typeface="에스코어 드림 4 Regular" panose="020B0503030302020204" pitchFamily="34" charset="-127"/>
+                <a:ea typeface="에스코어 드림 4 Regular" panose="020B0503030302020204" pitchFamily="34" charset="-127"/>
+              </a:rPr>
+              <a:t>현재 시간</a:t>
+            </a:r>
+            <a:endParaRPr lang="ko-KR" altLang="en-US" dirty="0"/>
+          </a:p>
+        </p:txBody>
+      </p:sp>
+      <p:sp>
+        <p:nvSpPr>
+          <p:cNvPr id="12" name="화살표: 오른쪽 11">
+            <a:extLst>
+              <a:ext uri="{FF2B5EF4-FFF2-40B4-BE49-F238E27FC236}">
+                <a16:creationId xmlns:a16="http://schemas.microsoft.com/office/drawing/2014/main" id="{A0589CAB-E1C1-DB41-57B0-96C2E062EB87}"/>
+              </a:ext>
+            </a:extLst>
+          </p:cNvPr>
+          <p:cNvSpPr/>
+          <p:nvPr/>
+        </p:nvSpPr>
+        <p:spPr>
+          <a:xfrm rot="5400000">
+            <a:off x="4624664" y="1737646"/>
+            <a:ext cx="794801" cy="254903"/>
+          </a:xfrm>
+          <a:prstGeom prst="rightArrow">
+            <a:avLst/>
+          </a:prstGeom>
+          <a:solidFill>
+            <a:schemeClr val="accent2">
+              <a:lumMod val="60000"/>
+              <a:lumOff val="40000"/>
+            </a:schemeClr>
+          </a:solidFill>
+          <a:ln>
+            <a:noFill/>
+          </a:ln>
+        </p:spPr>
+        <p:style>
+          <a:lnRef idx="2">
+            <a:schemeClr val="accent1">
+              <a:shade val="50000"/>
+            </a:schemeClr>
+          </a:lnRef>
+          <a:fillRef idx="1">
+            <a:schemeClr val="accent1"/>
+          </a:fillRef>
+          <a:effectRef idx="0">
+            <a:schemeClr val="accent1"/>
+          </a:effectRef>
+          <a:fontRef idx="minor">
+            <a:schemeClr val="lt1"/>
+          </a:fontRef>
+        </p:style>
+        <p:txBody>
+          <a:bodyPr rtlCol="0" anchor="ctr"/>
+          <a:lstStyle/>
+          <a:p>
+            <a:pPr algn="ctr"/>
+            <a:endParaRPr lang="ko-KR" altLang="en-US" sz="1200"/>
+          </a:p>
+        </p:txBody>
+      </p:sp>
+      <p:sp>
+        <p:nvSpPr>
+          <p:cNvPr id="33" name="TextBox 32">
+            <a:extLst>
+              <a:ext uri="{FF2B5EF4-FFF2-40B4-BE49-F238E27FC236}">
+                <a16:creationId xmlns:a16="http://schemas.microsoft.com/office/drawing/2014/main" id="{91C71A10-F2C8-E20C-648C-7A08B783FB57}"/>
+              </a:ext>
+            </a:extLst>
+          </p:cNvPr>
+          <p:cNvSpPr txBox="1"/>
+          <p:nvPr/>
+        </p:nvSpPr>
+        <p:spPr>
+          <a:xfrm>
+            <a:off x="3108655" y="1678908"/>
+            <a:ext cx="1341522" cy="369332"/>
+          </a:xfrm>
+          <a:prstGeom prst="rect">
+            <a:avLst/>
+          </a:prstGeom>
+          <a:noFill/>
+        </p:spPr>
+        <p:txBody>
+          <a:bodyPr wrap="square">
+            <a:spAutoFit/>
+          </a:bodyPr>
+          <a:lstStyle/>
+          <a:p>
+            <a:pPr algn="ctr"/>
+            <a:r>
+              <a:rPr lang="ko-KR" altLang="en-US" sz="900" dirty="0">
+                <a:latin typeface="에스코어 드림 4 Regular" panose="020B0503030302020204" pitchFamily="34" charset="-127"/>
+                <a:ea typeface="에스코어 드림 4 Regular" panose="020B0503030302020204" pitchFamily="34" charset="-127"/>
+              </a:rPr>
+              <a:t>지속적으로 이동 시 </a:t>
+            </a:r>
+            <a:endParaRPr lang="en-US" altLang="ko-KR" sz="900" dirty="0">
+              <a:latin typeface="에스코어 드림 4 Regular" panose="020B0503030302020204" pitchFamily="34" charset="-127"/>
+              <a:ea typeface="에스코어 드림 4 Regular" panose="020B0503030302020204" pitchFamily="34" charset="-127"/>
+            </a:endParaRPr>
+          </a:p>
+          <a:p>
+            <a:pPr algn="ctr"/>
+            <a:r>
+              <a:rPr lang="ko-KR" altLang="en-US" sz="900" dirty="0">
+                <a:latin typeface="에스코어 드림 4 Regular" panose="020B0503030302020204" pitchFamily="34" charset="-127"/>
+                <a:ea typeface="에스코어 드림 4 Regular" panose="020B0503030302020204" pitchFamily="34" charset="-127"/>
+              </a:rPr>
+              <a:t>약 </a:t>
+            </a:r>
+            <a:r>
+              <a:rPr lang="en-US" altLang="ko-KR" sz="900" dirty="0">
+                <a:latin typeface="에스코어 드림 4 Regular" panose="020B0503030302020204" pitchFamily="34" charset="-127"/>
+                <a:ea typeface="에스코어 드림 4 Regular" panose="020B0503030302020204" pitchFamily="34" charset="-127"/>
+              </a:rPr>
+              <a:t>15FPS</a:t>
+            </a:r>
+            <a:r>
+              <a:rPr lang="ko-KR" altLang="en-US" sz="900" dirty="0">
+                <a:latin typeface="에스코어 드림 4 Regular" panose="020B0503030302020204" pitchFamily="34" charset="-127"/>
+                <a:ea typeface="에스코어 드림 4 Regular" panose="020B0503030302020204" pitchFamily="34" charset="-127"/>
+              </a:rPr>
+              <a:t>로 패킷 전송</a:t>
+            </a:r>
+            <a:endParaRPr lang="ko-KR" altLang="en-US" sz="900" dirty="0"/>
+          </a:p>
+        </p:txBody>
+      </p:sp>
+      <p:sp>
+        <p:nvSpPr>
+          <p:cNvPr id="34" name="TextBox 33">
+            <a:extLst>
+              <a:ext uri="{FF2B5EF4-FFF2-40B4-BE49-F238E27FC236}">
+                <a16:creationId xmlns:a16="http://schemas.microsoft.com/office/drawing/2014/main" id="{06DFA9DE-F0A2-9BE0-7997-4F420025BFF1}"/>
+              </a:ext>
+            </a:extLst>
+          </p:cNvPr>
+          <p:cNvSpPr txBox="1"/>
+          <p:nvPr/>
+        </p:nvSpPr>
+        <p:spPr>
+          <a:xfrm>
+            <a:off x="7958889" y="1509963"/>
+            <a:ext cx="16293243" cy="3416320"/>
+          </a:xfrm>
+          <a:prstGeom prst="rect">
+            <a:avLst/>
+          </a:prstGeom>
+          <a:noFill/>
+        </p:spPr>
+        <p:txBody>
+          <a:bodyPr wrap="none" rtlCol="0">
+            <a:spAutoFit/>
+          </a:bodyPr>
+          <a:lstStyle/>
+          <a:p>
+            <a:r>
+              <a:rPr lang="ko-KR" altLang="en-US" dirty="0"/>
+              <a:t>기본 아이디어</a:t>
+            </a:r>
+            <a:endParaRPr lang="en-US" altLang="ko-KR" dirty="0"/>
+          </a:p>
+          <a:p>
+            <a:r>
+              <a:rPr lang="ko-KR" altLang="en-US" dirty="0"/>
+              <a:t>한프레임 </a:t>
+            </a:r>
+            <a:r>
+              <a:rPr lang="ko-KR" altLang="en-US" dirty="0" err="1"/>
+              <a:t>전꺼부터</a:t>
+            </a:r>
+            <a:r>
+              <a:rPr lang="ko-KR" altLang="en-US" dirty="0"/>
+              <a:t> </a:t>
+            </a:r>
+            <a:r>
+              <a:rPr lang="ko-KR" altLang="en-US" dirty="0" err="1"/>
+              <a:t>지금꺼까지로</a:t>
+            </a:r>
+            <a:r>
+              <a:rPr lang="ko-KR" altLang="en-US" dirty="0"/>
+              <a:t> 오자</a:t>
+            </a:r>
+            <a:endParaRPr lang="en-US" altLang="ko-KR" dirty="0"/>
+          </a:p>
+          <a:p>
+            <a:r>
+              <a:rPr lang="ko-KR" altLang="en-US" dirty="0" err="1"/>
+              <a:t>한프레임정도</a:t>
+            </a:r>
+            <a:r>
+              <a:rPr lang="ko-KR" altLang="en-US" dirty="0"/>
+              <a:t> 딜레이는 있겠지만</a:t>
+            </a:r>
+            <a:r>
+              <a:rPr lang="en-US" altLang="ko-KR" dirty="0"/>
+              <a:t>, </a:t>
+            </a:r>
+            <a:r>
+              <a:rPr lang="ko-KR" altLang="en-US" dirty="0"/>
+              <a:t>그렇게 딜레이가 중요한 게임은 아니다</a:t>
+            </a:r>
+            <a:r>
+              <a:rPr lang="en-US" altLang="ko-KR" dirty="0"/>
+              <a:t>.</a:t>
+            </a:r>
+          </a:p>
+          <a:p>
+            <a:endParaRPr lang="en-US" altLang="ko-KR" dirty="0"/>
+          </a:p>
+          <a:p>
+            <a:r>
+              <a:rPr lang="ko-KR" altLang="en-US" dirty="0"/>
+              <a:t>패킷 받으면</a:t>
+            </a:r>
+            <a:r>
+              <a:rPr lang="en-US" altLang="ko-KR" dirty="0"/>
+              <a:t>?</a:t>
+            </a:r>
+          </a:p>
+          <a:p>
+            <a:r>
+              <a:rPr lang="ko-KR" altLang="en-US" dirty="0"/>
+              <a:t>이전 패킷과의 간격을 체크</a:t>
+            </a:r>
+            <a:r>
+              <a:rPr lang="en-US" altLang="ko-KR" dirty="0"/>
+              <a:t>(</a:t>
+            </a:r>
+            <a:r>
+              <a:rPr lang="en-US" altLang="ko-KR" dirty="0" err="1"/>
+              <a:t>prev_delta_time</a:t>
+            </a:r>
+            <a:r>
+              <a:rPr lang="en-US" altLang="ko-KR" dirty="0"/>
+              <a:t>) -&gt; </a:t>
+            </a:r>
+            <a:r>
+              <a:rPr lang="ko-KR" altLang="en-US" dirty="0"/>
+              <a:t>즉 </a:t>
+            </a:r>
+            <a:r>
+              <a:rPr lang="ko-KR" altLang="en-US" dirty="0" err="1"/>
+              <a:t>이전패킷부터</a:t>
+            </a:r>
+            <a:r>
+              <a:rPr lang="ko-KR" altLang="en-US" dirty="0"/>
+              <a:t> 지금까지 이동한 시간을 구함</a:t>
+            </a:r>
+            <a:endParaRPr lang="en-US" altLang="ko-KR" dirty="0"/>
+          </a:p>
+          <a:p>
+            <a:r>
+              <a:rPr lang="ko-KR" altLang="en-US" dirty="0"/>
+              <a:t>혹시 업데이트 중 문제가 있어서 차이가 발생할 수 있으니</a:t>
+            </a:r>
+            <a:r>
+              <a:rPr lang="en-US" altLang="ko-KR" dirty="0"/>
+              <a:t>, </a:t>
+            </a:r>
+            <a:r>
+              <a:rPr lang="ko-KR" altLang="en-US" dirty="0"/>
+              <a:t>직전 위치까지는 바로 이동</a:t>
+            </a:r>
+            <a:r>
+              <a:rPr lang="en-US" altLang="ko-KR" dirty="0"/>
+              <a:t>(</a:t>
+            </a:r>
+            <a:r>
+              <a:rPr lang="ko-KR" altLang="en-US" dirty="0"/>
+              <a:t>가끔 </a:t>
+            </a:r>
+            <a:r>
+              <a:rPr lang="ko-KR" altLang="en-US" dirty="0" err="1"/>
+              <a:t>틱틱</a:t>
+            </a:r>
+            <a:r>
+              <a:rPr lang="ko-KR" altLang="en-US" dirty="0"/>
+              <a:t> </a:t>
+            </a:r>
+            <a:r>
+              <a:rPr lang="ko-KR" altLang="en-US" dirty="0" err="1"/>
+              <a:t>움직이긴하겠지만</a:t>
+            </a:r>
+            <a:r>
+              <a:rPr lang="en-US" altLang="ko-KR" dirty="0"/>
+              <a:t>, </a:t>
+            </a:r>
+            <a:r>
+              <a:rPr lang="ko-KR" altLang="en-US" dirty="0"/>
+              <a:t>간격이 좁아서 그렇게 </a:t>
+            </a:r>
+            <a:r>
+              <a:rPr lang="ko-KR" altLang="en-US" dirty="0" err="1"/>
+              <a:t>신경쓰이지</a:t>
+            </a:r>
+            <a:r>
+              <a:rPr lang="ko-KR" altLang="en-US" dirty="0"/>
+              <a:t> 않음</a:t>
+            </a:r>
+            <a:r>
+              <a:rPr lang="en-US" altLang="ko-KR" dirty="0"/>
+              <a:t>)</a:t>
+            </a:r>
+          </a:p>
+          <a:p>
+            <a:endParaRPr lang="en-US" altLang="ko-KR" dirty="0"/>
+          </a:p>
+          <a:p>
+            <a:r>
+              <a:rPr lang="ko-KR" altLang="en-US" dirty="0"/>
+              <a:t>업데이트</a:t>
+            </a:r>
+            <a:endParaRPr lang="en-US" altLang="ko-KR" dirty="0"/>
+          </a:p>
+          <a:p>
+            <a:r>
+              <a:rPr lang="ko-KR" altLang="en-US" dirty="0"/>
+              <a:t>델타타임을 기준으로 이번에 움직이는 퍼센트를 구함</a:t>
+            </a:r>
+            <a:endParaRPr lang="en-US" altLang="ko-KR" dirty="0"/>
+          </a:p>
+          <a:p>
+            <a:r>
+              <a:rPr lang="ko-KR" altLang="en-US" dirty="0"/>
+              <a:t>이동 위치를 퍼센트만큼만 이동</a:t>
+            </a:r>
+            <a:endParaRPr lang="en-US" altLang="ko-KR" dirty="0"/>
+          </a:p>
+          <a:p>
+            <a:endParaRPr lang="en-US" altLang="ko-KR" dirty="0"/>
+          </a:p>
+        </p:txBody>
+      </p:sp>
+      <p:sp>
+        <p:nvSpPr>
+          <p:cNvPr id="36" name="화살표: 오른쪽 35">
+            <a:extLst>
+              <a:ext uri="{FF2B5EF4-FFF2-40B4-BE49-F238E27FC236}">
+                <a16:creationId xmlns:a16="http://schemas.microsoft.com/office/drawing/2014/main" id="{7C0FD827-8C9F-8484-20E7-61133B2EDDD2}"/>
+              </a:ext>
+            </a:extLst>
+          </p:cNvPr>
+          <p:cNvSpPr/>
+          <p:nvPr/>
+        </p:nvSpPr>
+        <p:spPr>
+          <a:xfrm>
+            <a:off x="2418448" y="2875363"/>
+            <a:ext cx="2628276" cy="254903"/>
+          </a:xfrm>
+          <a:prstGeom prst="rightArrow">
+            <a:avLst/>
+          </a:prstGeom>
+          <a:solidFill>
+            <a:schemeClr val="accent2">
+              <a:lumMod val="60000"/>
+              <a:lumOff val="40000"/>
+            </a:schemeClr>
+          </a:solidFill>
+          <a:ln>
+            <a:noFill/>
+          </a:ln>
+        </p:spPr>
+        <p:style>
+          <a:lnRef idx="2">
+            <a:schemeClr val="accent1">
+              <a:shade val="50000"/>
+            </a:schemeClr>
+          </a:lnRef>
+          <a:fillRef idx="1">
+            <a:schemeClr val="accent1"/>
+          </a:fillRef>
+          <a:effectRef idx="0">
+            <a:schemeClr val="accent1"/>
+          </a:effectRef>
+          <a:fontRef idx="minor">
+            <a:schemeClr val="lt1"/>
+          </a:fontRef>
+        </p:style>
+        <p:txBody>
+          <a:bodyPr rtlCol="0" anchor="ctr"/>
+          <a:lstStyle/>
+          <a:p>
+            <a:pPr algn="ctr"/>
+            <a:endParaRPr lang="ko-KR" altLang="en-US" sz="1200"/>
+          </a:p>
+        </p:txBody>
+      </p:sp>
+      <p:sp>
+        <p:nvSpPr>
+          <p:cNvPr id="37" name="TextBox 36">
+            <a:extLst>
+              <a:ext uri="{FF2B5EF4-FFF2-40B4-BE49-F238E27FC236}">
+                <a16:creationId xmlns:a16="http://schemas.microsoft.com/office/drawing/2014/main" id="{CA4FDCF2-DFBE-5061-A08D-5F05AB558691}"/>
+              </a:ext>
+            </a:extLst>
+          </p:cNvPr>
+          <p:cNvSpPr txBox="1"/>
+          <p:nvPr/>
+        </p:nvSpPr>
+        <p:spPr>
+          <a:xfrm>
+            <a:off x="2998072" y="3022278"/>
+            <a:ext cx="1341522" cy="369332"/>
+          </a:xfrm>
+          <a:prstGeom prst="rect">
+            <a:avLst/>
+          </a:prstGeom>
+          <a:noFill/>
+        </p:spPr>
+        <p:txBody>
+          <a:bodyPr wrap="square">
+            <a:spAutoFit/>
+          </a:bodyPr>
+          <a:lstStyle/>
+          <a:p>
+            <a:pPr algn="ctr"/>
+            <a:r>
+              <a:rPr lang="ko-KR" altLang="en-US" sz="900" dirty="0">
+                <a:latin typeface="에스코어 드림 4 Regular" panose="020B0503030302020204" pitchFamily="34" charset="-127"/>
+                <a:ea typeface="에스코어 드림 4 Regular" panose="020B0503030302020204" pitchFamily="34" charset="-127"/>
+              </a:rPr>
+              <a:t>패킷 간격 체크 </a:t>
+            </a:r>
+            <a:endParaRPr lang="en-US" altLang="ko-KR" sz="900" dirty="0">
+              <a:latin typeface="에스코어 드림 4 Regular" panose="020B0503030302020204" pitchFamily="34" charset="-127"/>
+              <a:ea typeface="에스코어 드림 4 Regular" panose="020B0503030302020204" pitchFamily="34" charset="-127"/>
+            </a:endParaRPr>
+          </a:p>
+          <a:p>
+            <a:pPr algn="ctr"/>
+            <a:r>
+              <a:rPr lang="en-US" altLang="ko-KR" sz="900" dirty="0">
+                <a:latin typeface="에스코어 드림 4 Regular" panose="020B0503030302020204" pitchFamily="34" charset="-127"/>
+                <a:ea typeface="에스코어 드림 4 Regular" panose="020B0503030302020204" pitchFamily="34" charset="-127"/>
+              </a:rPr>
+              <a:t>(</a:t>
+            </a:r>
+            <a:r>
+              <a:rPr lang="en-US" altLang="ko-KR" sz="900" dirty="0" err="1">
+                <a:latin typeface="에스코어 드림 4 Regular" panose="020B0503030302020204" pitchFamily="34" charset="-127"/>
+                <a:ea typeface="에스코어 드림 4 Regular" panose="020B0503030302020204" pitchFamily="34" charset="-127"/>
+              </a:rPr>
+              <a:t>prev_delta_time</a:t>
+            </a:r>
+            <a:r>
+              <a:rPr lang="en-US" altLang="ko-KR" sz="900" dirty="0">
+                <a:latin typeface="에스코어 드림 4 Regular" panose="020B0503030302020204" pitchFamily="34" charset="-127"/>
+                <a:ea typeface="에스코어 드림 4 Regular" panose="020B0503030302020204" pitchFamily="34" charset="-127"/>
+              </a:rPr>
+              <a:t>)</a:t>
+            </a:r>
+            <a:endParaRPr lang="ko-KR" altLang="en-US" sz="900" dirty="0"/>
+          </a:p>
+        </p:txBody>
+      </p:sp>
+      <p:sp>
+        <p:nvSpPr>
+          <p:cNvPr id="39" name="화살표: 오른쪽 38">
+            <a:extLst>
+              <a:ext uri="{FF2B5EF4-FFF2-40B4-BE49-F238E27FC236}">
+                <a16:creationId xmlns:a16="http://schemas.microsoft.com/office/drawing/2014/main" id="{48D78D2A-A7CF-82FF-1838-EB89DC7B28A1}"/>
+              </a:ext>
+            </a:extLst>
+          </p:cNvPr>
+          <p:cNvSpPr/>
+          <p:nvPr/>
+        </p:nvSpPr>
+        <p:spPr>
+          <a:xfrm rot="5400000">
+            <a:off x="4752115" y="3539451"/>
+            <a:ext cx="794801" cy="254903"/>
+          </a:xfrm>
+          <a:prstGeom prst="rightArrow">
+            <a:avLst/>
+          </a:prstGeom>
+          <a:solidFill>
+            <a:schemeClr val="accent6">
+              <a:lumMod val="60000"/>
+              <a:lumOff val="40000"/>
+            </a:schemeClr>
+          </a:solidFill>
+          <a:ln>
+            <a:noFill/>
+          </a:ln>
+        </p:spPr>
+        <p:style>
+          <a:lnRef idx="2">
+            <a:schemeClr val="accent1">
+              <a:shade val="50000"/>
+            </a:schemeClr>
+          </a:lnRef>
+          <a:fillRef idx="1">
+            <a:schemeClr val="accent1"/>
+          </a:fillRef>
+          <a:effectRef idx="0">
+            <a:schemeClr val="accent1"/>
+          </a:effectRef>
+          <a:fontRef idx="minor">
+            <a:schemeClr val="lt1"/>
+          </a:fontRef>
+        </p:style>
+        <p:txBody>
+          <a:bodyPr rtlCol="0" anchor="ctr"/>
+          <a:lstStyle/>
+          <a:p>
+            <a:pPr algn="ctr"/>
+            <a:endParaRPr lang="ko-KR" altLang="en-US" sz="1200"/>
+          </a:p>
+        </p:txBody>
+      </p:sp>
+      <p:sp>
+        <p:nvSpPr>
+          <p:cNvPr id="40" name="TextBox 39">
+            <a:extLst>
+              <a:ext uri="{FF2B5EF4-FFF2-40B4-BE49-F238E27FC236}">
+                <a16:creationId xmlns:a16="http://schemas.microsoft.com/office/drawing/2014/main" id="{952895FC-6887-4D53-992E-C6703FBDCCAB}"/>
+              </a:ext>
+            </a:extLst>
+          </p:cNvPr>
+          <p:cNvSpPr txBox="1"/>
+          <p:nvPr/>
+        </p:nvSpPr>
+        <p:spPr>
+          <a:xfrm>
+            <a:off x="5212680" y="3429000"/>
+            <a:ext cx="1544967" cy="369332"/>
+          </a:xfrm>
+          <a:prstGeom prst="rect">
+            <a:avLst/>
+          </a:prstGeom>
+          <a:noFill/>
+        </p:spPr>
+        <p:txBody>
+          <a:bodyPr wrap="square">
+            <a:spAutoFit/>
+          </a:bodyPr>
+          <a:lstStyle/>
+          <a:p>
+            <a:r>
+              <a:rPr lang="ko-KR" altLang="en-US" sz="900" dirty="0">
+                <a:latin typeface="에스코어 드림 4 Regular" panose="020B0503030302020204" pitchFamily="34" charset="-127"/>
+                <a:ea typeface="에스코어 드림 4 Regular" panose="020B0503030302020204" pitchFamily="34" charset="-127"/>
+              </a:rPr>
+              <a:t>위치 정보 갱신</a:t>
+            </a:r>
+            <a:endParaRPr lang="en-US" altLang="ko-KR" sz="900" dirty="0">
+              <a:latin typeface="에스코어 드림 4 Regular" panose="020B0503030302020204" pitchFamily="34" charset="-127"/>
+              <a:ea typeface="에스코어 드림 4 Regular" panose="020B0503030302020204" pitchFamily="34" charset="-127"/>
+            </a:endParaRPr>
+          </a:p>
+          <a:p>
+            <a:r>
+              <a:rPr lang="ko-KR" altLang="en-US" sz="900" dirty="0">
+                <a:latin typeface="에스코어 드림 4 Regular" panose="020B0503030302020204" pitchFamily="34" charset="-127"/>
+                <a:ea typeface="에스코어 드림 4 Regular" panose="020B0503030302020204" pitchFamily="34" charset="-127"/>
+              </a:rPr>
+              <a:t>보간 정보</a:t>
+            </a:r>
+            <a:r>
+              <a:rPr lang="en-US" altLang="ko-KR" sz="900" dirty="0">
+                <a:latin typeface="에스코어 드림 4 Regular" panose="020B0503030302020204" pitchFamily="34" charset="-127"/>
+                <a:ea typeface="에스코어 드림 4 Regular" panose="020B0503030302020204" pitchFamily="34" charset="-127"/>
+              </a:rPr>
+              <a:t>(</a:t>
+            </a:r>
+            <a:r>
+              <a:rPr lang="ko-KR" altLang="en-US" sz="900" dirty="0">
+                <a:latin typeface="에스코어 드림 4 Regular" panose="020B0503030302020204" pitchFamily="34" charset="-127"/>
+                <a:ea typeface="에스코어 드림 4 Regular" panose="020B0503030302020204" pitchFamily="34" charset="-127"/>
+              </a:rPr>
+              <a:t>시간 등</a:t>
+            </a:r>
+            <a:r>
+              <a:rPr lang="en-US" altLang="ko-KR" sz="900" dirty="0">
+                <a:latin typeface="에스코어 드림 4 Regular" panose="020B0503030302020204" pitchFamily="34" charset="-127"/>
+                <a:ea typeface="에스코어 드림 4 Regular" panose="020B0503030302020204" pitchFamily="34" charset="-127"/>
+              </a:rPr>
+              <a:t>) </a:t>
+            </a:r>
+            <a:r>
+              <a:rPr lang="ko-KR" altLang="en-US" sz="900" dirty="0">
+                <a:latin typeface="에스코어 드림 4 Regular" panose="020B0503030302020204" pitchFamily="34" charset="-127"/>
+                <a:ea typeface="에스코어 드림 4 Regular" panose="020B0503030302020204" pitchFamily="34" charset="-127"/>
+              </a:rPr>
+              <a:t>초기화</a:t>
+            </a:r>
+            <a:endParaRPr lang="en-US" altLang="ko-KR" sz="900" dirty="0">
+              <a:latin typeface="에스코어 드림 4 Regular" panose="020B0503030302020204" pitchFamily="34" charset="-127"/>
+              <a:ea typeface="에스코어 드림 4 Regular" panose="020B0503030302020204" pitchFamily="34" charset="-127"/>
+            </a:endParaRPr>
+          </a:p>
+        </p:txBody>
+      </p:sp>
+      <p:sp>
+        <p:nvSpPr>
+          <p:cNvPr id="41" name="직사각형 40">
+            <a:extLst>
+              <a:ext uri="{FF2B5EF4-FFF2-40B4-BE49-F238E27FC236}">
+                <a16:creationId xmlns:a16="http://schemas.microsoft.com/office/drawing/2014/main" id="{9BFD31A7-E770-24B9-E3F9-1DB79A1FF170}"/>
+              </a:ext>
+            </a:extLst>
+          </p:cNvPr>
+          <p:cNvSpPr/>
+          <p:nvPr/>
+        </p:nvSpPr>
+        <p:spPr>
+          <a:xfrm>
+            <a:off x="3470404" y="5740981"/>
+            <a:ext cx="1519723" cy="470449"/>
+          </a:xfrm>
+          <a:prstGeom prst="rect">
+            <a:avLst/>
+          </a:prstGeom>
+          <a:solidFill>
+            <a:schemeClr val="accent5">
+              <a:lumMod val="60000"/>
+              <a:lumOff val="40000"/>
+            </a:schemeClr>
+          </a:solidFill>
+          <a:ln>
+            <a:noFill/>
+          </a:ln>
+        </p:spPr>
+        <p:style>
+          <a:lnRef idx="2">
+            <a:schemeClr val="accent1">
+              <a:shade val="15000"/>
+            </a:schemeClr>
+          </a:lnRef>
+          <a:fillRef idx="1">
+            <a:schemeClr val="accent1"/>
+          </a:fillRef>
+          <a:effectRef idx="0">
+            <a:schemeClr val="accent1"/>
+          </a:effectRef>
+          <a:fontRef idx="minor">
+            <a:schemeClr val="lt1"/>
+          </a:fontRef>
+        </p:style>
+        <p:txBody>
+          <a:bodyPr rtlCol="0" anchor="ctr"/>
+          <a:lstStyle/>
+          <a:p>
+            <a:pPr algn="ctr"/>
+            <a:r>
+              <a:rPr lang="ko-KR" altLang="en-US" sz="1100" dirty="0">
+                <a:solidFill>
+                  <a:schemeClr val="tx1"/>
+                </a:solidFill>
+                <a:latin typeface="에스코어 드림 4 Regular" panose="020B0503030302020204" pitchFamily="34" charset="-127"/>
+                <a:ea typeface="에스코어 드림 4 Regular" panose="020B0503030302020204" pitchFamily="34" charset="-127"/>
+              </a:rPr>
+              <a:t>오브젝트 정보</a:t>
+            </a:r>
+          </a:p>
+        </p:txBody>
+      </p:sp>
+      <p:sp>
+        <p:nvSpPr>
+          <p:cNvPr id="44" name="화살표: 오른쪽 43">
+            <a:extLst>
+              <a:ext uri="{FF2B5EF4-FFF2-40B4-BE49-F238E27FC236}">
+                <a16:creationId xmlns:a16="http://schemas.microsoft.com/office/drawing/2014/main" id="{6F353E75-9877-FEA3-9A51-DBE8BBC26C16}"/>
+              </a:ext>
+            </a:extLst>
+          </p:cNvPr>
+          <p:cNvSpPr/>
+          <p:nvPr/>
+        </p:nvSpPr>
+        <p:spPr>
+          <a:xfrm rot="5400000">
+            <a:off x="2224734" y="3539451"/>
+            <a:ext cx="794801" cy="254903"/>
+          </a:xfrm>
+          <a:prstGeom prst="rightArrow">
+            <a:avLst/>
+          </a:prstGeom>
+          <a:solidFill>
+            <a:schemeClr val="accent6">
+              <a:lumMod val="60000"/>
+              <a:lumOff val="40000"/>
+            </a:schemeClr>
+          </a:solidFill>
+          <a:ln>
+            <a:noFill/>
+          </a:ln>
+        </p:spPr>
+        <p:style>
+          <a:lnRef idx="2">
+            <a:schemeClr val="accent1">
+              <a:shade val="50000"/>
+            </a:schemeClr>
+          </a:lnRef>
+          <a:fillRef idx="1">
+            <a:schemeClr val="accent1"/>
+          </a:fillRef>
+          <a:effectRef idx="0">
+            <a:schemeClr val="accent1"/>
+          </a:effectRef>
+          <a:fontRef idx="minor">
+            <a:schemeClr val="lt1"/>
+          </a:fontRef>
+        </p:style>
+        <p:txBody>
+          <a:bodyPr rtlCol="0" anchor="ctr"/>
+          <a:lstStyle/>
+          <a:p>
+            <a:pPr algn="ctr"/>
+            <a:endParaRPr lang="ko-KR" altLang="en-US" sz="1200"/>
+          </a:p>
+        </p:txBody>
+      </p:sp>
+      <p:sp>
+        <p:nvSpPr>
+          <p:cNvPr id="45" name="TextBox 44">
+            <a:extLst>
+              <a:ext uri="{FF2B5EF4-FFF2-40B4-BE49-F238E27FC236}">
+                <a16:creationId xmlns:a16="http://schemas.microsoft.com/office/drawing/2014/main" id="{D6393538-6530-4440-42A6-69A7468D1539}"/>
+              </a:ext>
+            </a:extLst>
+          </p:cNvPr>
+          <p:cNvSpPr txBox="1"/>
+          <p:nvPr/>
+        </p:nvSpPr>
+        <p:spPr>
+          <a:xfrm>
+            <a:off x="2685299" y="3453288"/>
+            <a:ext cx="1544967" cy="369332"/>
+          </a:xfrm>
+          <a:prstGeom prst="rect">
+            <a:avLst/>
+          </a:prstGeom>
+          <a:noFill/>
+        </p:spPr>
+        <p:txBody>
+          <a:bodyPr wrap="square">
+            <a:spAutoFit/>
+          </a:bodyPr>
+          <a:lstStyle/>
+          <a:p>
+            <a:r>
+              <a:rPr lang="ko-KR" altLang="en-US" sz="900" dirty="0">
+                <a:latin typeface="에스코어 드림 4 Regular" panose="020B0503030302020204" pitchFamily="34" charset="-127"/>
+                <a:ea typeface="에스코어 드림 4 Regular" panose="020B0503030302020204" pitchFamily="34" charset="-127"/>
+              </a:rPr>
+              <a:t>위치 정보 갱신</a:t>
+            </a:r>
+            <a:endParaRPr lang="en-US" altLang="ko-KR" sz="900" dirty="0">
+              <a:latin typeface="에스코어 드림 4 Regular" panose="020B0503030302020204" pitchFamily="34" charset="-127"/>
+              <a:ea typeface="에스코어 드림 4 Regular" panose="020B0503030302020204" pitchFamily="34" charset="-127"/>
+            </a:endParaRPr>
+          </a:p>
+          <a:p>
+            <a:r>
+              <a:rPr lang="ko-KR" altLang="en-US" sz="900" dirty="0">
+                <a:latin typeface="에스코어 드림 4 Regular" panose="020B0503030302020204" pitchFamily="34" charset="-127"/>
+                <a:ea typeface="에스코어 드림 4 Regular" panose="020B0503030302020204" pitchFamily="34" charset="-127"/>
+              </a:rPr>
+              <a:t>보간 정보</a:t>
+            </a:r>
+            <a:r>
+              <a:rPr lang="en-US" altLang="ko-KR" sz="900" dirty="0">
+                <a:latin typeface="에스코어 드림 4 Regular" panose="020B0503030302020204" pitchFamily="34" charset="-127"/>
+                <a:ea typeface="에스코어 드림 4 Regular" panose="020B0503030302020204" pitchFamily="34" charset="-127"/>
+              </a:rPr>
+              <a:t>(</a:t>
+            </a:r>
+            <a:r>
+              <a:rPr lang="ko-KR" altLang="en-US" sz="900" dirty="0">
+                <a:latin typeface="에스코어 드림 4 Regular" panose="020B0503030302020204" pitchFamily="34" charset="-127"/>
+                <a:ea typeface="에스코어 드림 4 Regular" panose="020B0503030302020204" pitchFamily="34" charset="-127"/>
+              </a:rPr>
+              <a:t>시간 등</a:t>
+            </a:r>
+            <a:r>
+              <a:rPr lang="en-US" altLang="ko-KR" sz="900" dirty="0">
+                <a:latin typeface="에스코어 드림 4 Regular" panose="020B0503030302020204" pitchFamily="34" charset="-127"/>
+                <a:ea typeface="에스코어 드림 4 Regular" panose="020B0503030302020204" pitchFamily="34" charset="-127"/>
+              </a:rPr>
+              <a:t>) </a:t>
+            </a:r>
+            <a:r>
+              <a:rPr lang="ko-KR" altLang="en-US" sz="900" dirty="0">
+                <a:latin typeface="에스코어 드림 4 Regular" panose="020B0503030302020204" pitchFamily="34" charset="-127"/>
+                <a:ea typeface="에스코어 드림 4 Regular" panose="020B0503030302020204" pitchFamily="34" charset="-127"/>
+              </a:rPr>
+              <a:t>초기화</a:t>
+            </a:r>
+            <a:endParaRPr lang="en-US" altLang="ko-KR" sz="900" dirty="0">
+              <a:latin typeface="에스코어 드림 4 Regular" panose="020B0503030302020204" pitchFamily="34" charset="-127"/>
+              <a:ea typeface="에스코어 드림 4 Regular" panose="020B0503030302020204" pitchFamily="34" charset="-127"/>
+            </a:endParaRPr>
+          </a:p>
+        </p:txBody>
+      </p:sp>
+      <p:sp>
+        <p:nvSpPr>
+          <p:cNvPr id="46" name="화살표: 오른쪽 45">
+            <a:extLst>
+              <a:ext uri="{FF2B5EF4-FFF2-40B4-BE49-F238E27FC236}">
+                <a16:creationId xmlns:a16="http://schemas.microsoft.com/office/drawing/2014/main" id="{8E9A05C0-229E-1FE2-464F-88FAFDC1A350}"/>
+              </a:ext>
+            </a:extLst>
+          </p:cNvPr>
+          <p:cNvSpPr/>
+          <p:nvPr/>
+        </p:nvSpPr>
+        <p:spPr>
+          <a:xfrm rot="5400000">
+            <a:off x="3153498" y="5113127"/>
+            <a:ext cx="863469" cy="254903"/>
+          </a:xfrm>
+          <a:prstGeom prst="rightArrow">
+            <a:avLst/>
+          </a:prstGeom>
+          <a:solidFill>
+            <a:schemeClr val="accent5">
+              <a:lumMod val="60000"/>
+              <a:lumOff val="40000"/>
+            </a:schemeClr>
+          </a:solidFill>
+          <a:ln>
+            <a:noFill/>
+          </a:ln>
+        </p:spPr>
+        <p:style>
+          <a:lnRef idx="2">
+            <a:schemeClr val="accent1">
+              <a:shade val="50000"/>
+            </a:schemeClr>
+          </a:lnRef>
+          <a:fillRef idx="1">
+            <a:schemeClr val="accent1"/>
+          </a:fillRef>
+          <a:effectRef idx="0">
+            <a:schemeClr val="accent1"/>
+          </a:effectRef>
+          <a:fontRef idx="minor">
+            <a:schemeClr val="lt1"/>
+          </a:fontRef>
+        </p:style>
+        <p:txBody>
+          <a:bodyPr rtlCol="0" anchor="ctr"/>
+          <a:lstStyle/>
+          <a:p>
+            <a:pPr algn="ctr"/>
+            <a:endParaRPr lang="ko-KR" altLang="en-US" sz="1200"/>
+          </a:p>
+        </p:txBody>
+      </p:sp>
+      <p:sp>
+        <p:nvSpPr>
+          <p:cNvPr id="47" name="TextBox 46">
+            <a:extLst>
+              <a:ext uri="{FF2B5EF4-FFF2-40B4-BE49-F238E27FC236}">
+                <a16:creationId xmlns:a16="http://schemas.microsoft.com/office/drawing/2014/main" id="{C5D130BA-D7C1-352C-BBA0-6BFF341DA22B}"/>
+              </a:ext>
+            </a:extLst>
+          </p:cNvPr>
+          <p:cNvSpPr txBox="1"/>
+          <p:nvPr/>
+        </p:nvSpPr>
+        <p:spPr>
+          <a:xfrm>
+            <a:off x="3656942" y="5007835"/>
+            <a:ext cx="2216084" cy="507831"/>
+          </a:xfrm>
+          <a:prstGeom prst="rect">
+            <a:avLst/>
+          </a:prstGeom>
+          <a:noFill/>
+        </p:spPr>
+        <p:txBody>
+          <a:bodyPr wrap="square">
+            <a:spAutoFit/>
+          </a:bodyPr>
+          <a:lstStyle/>
+          <a:p>
+            <a:r>
+              <a:rPr lang="ko-KR" altLang="en-US" sz="900" dirty="0">
+                <a:latin typeface="에스코어 드림 4 Regular" panose="020B0503030302020204" pitchFamily="34" charset="-127"/>
+                <a:ea typeface="에스코어 드림 4 Regular" panose="020B0503030302020204" pitchFamily="34" charset="-127"/>
+              </a:rPr>
+              <a:t>패킷 간격 기준 현재 진행 퍼센트 계산</a:t>
+            </a:r>
+            <a:endParaRPr lang="en-US" altLang="ko-KR" sz="900" dirty="0">
+              <a:latin typeface="에스코어 드림 4 Regular" panose="020B0503030302020204" pitchFamily="34" charset="-127"/>
+              <a:ea typeface="에스코어 드림 4 Regular" panose="020B0503030302020204" pitchFamily="34" charset="-127"/>
+            </a:endParaRPr>
+          </a:p>
+          <a:p>
+            <a:r>
+              <a:rPr lang="ko-KR" altLang="en-US" sz="900" dirty="0">
+                <a:latin typeface="에스코어 드림 4 Regular" panose="020B0503030302020204" pitchFamily="34" charset="-127"/>
+                <a:ea typeface="에스코어 드림 4 Regular" panose="020B0503030302020204" pitchFamily="34" charset="-127"/>
+              </a:rPr>
+              <a:t>진행 퍼센트 만큼 위치 이동</a:t>
+            </a:r>
+            <a:endParaRPr lang="en-US" altLang="ko-KR" sz="900" dirty="0">
+              <a:latin typeface="에스코어 드림 4 Regular" panose="020B0503030302020204" pitchFamily="34" charset="-127"/>
+              <a:ea typeface="에스코어 드림 4 Regular" panose="020B0503030302020204" pitchFamily="34" charset="-127"/>
+            </a:endParaRPr>
+          </a:p>
+          <a:p>
+            <a:r>
+              <a:rPr lang="ko-KR" altLang="en-US" sz="900" dirty="0">
+                <a:latin typeface="에스코어 드림 4 Regular" panose="020B0503030302020204" pitchFamily="34" charset="-127"/>
+                <a:ea typeface="에스코어 드림 4 Regular" panose="020B0503030302020204" pitchFamily="34" charset="-127"/>
+              </a:rPr>
+              <a:t>패킷 간격 </a:t>
+            </a:r>
+            <a:r>
+              <a:rPr lang="en-US" altLang="ko-KR" sz="900" dirty="0">
+                <a:latin typeface="에스코어 드림 4 Regular" panose="020B0503030302020204" pitchFamily="34" charset="-127"/>
+                <a:ea typeface="에스코어 드림 4 Regular" panose="020B0503030302020204" pitchFamily="34" charset="-127"/>
+              </a:rPr>
+              <a:t>-= </a:t>
+            </a:r>
+            <a:r>
+              <a:rPr lang="ko-KR" altLang="en-US" sz="900" dirty="0">
+                <a:latin typeface="에스코어 드림 4 Regular" panose="020B0503030302020204" pitchFamily="34" charset="-127"/>
+                <a:ea typeface="에스코어 드림 4 Regular" panose="020B0503030302020204" pitchFamily="34" charset="-127"/>
+              </a:rPr>
+              <a:t>프레임 </a:t>
+            </a:r>
+            <a:r>
+              <a:rPr lang="en-US" altLang="ko-KR" sz="900" dirty="0">
+                <a:latin typeface="에스코어 드림 4 Regular" panose="020B0503030302020204" pitchFamily="34" charset="-127"/>
+                <a:ea typeface="에스코어 드림 4 Regular" panose="020B0503030302020204" pitchFamily="34" charset="-127"/>
+              </a:rPr>
+              <a:t>Delta Time</a:t>
+            </a:r>
+          </a:p>
+        </p:txBody>
+      </p:sp>
+    </p:spTree>
+    <p:extLst>
+      <p:ext uri="{BB962C8B-B14F-4D97-AF65-F5344CB8AC3E}">
+        <p14:creationId xmlns:p14="http://schemas.microsoft.com/office/powerpoint/2010/main" val="182732090"/>
+      </p:ext>
+    </p:extLst>
+  </p:cSld>
+  <p:clrMapOvr>
+    <a:masterClrMapping/>
+  </p:clrMapOvr>
+</p:sld>
+</file>
+
+<file path=ppt/slides/slide4.xml><?xml version="1.0" encoding="utf-8"?>
+<p:sld xmlns:a="http://schemas.openxmlformats.org/drawingml/2006/main" xmlns:r="http://schemas.openxmlformats.org/officeDocument/2006/relationships" xmlns:p="http://schemas.openxmlformats.org/presentationml/2006/main">
+  <p:cSld>
+    <p:spTree>
+      <p:nvGrpSpPr>
+        <p:cNvPr id="1" name=""/>
+        <p:cNvGrpSpPr/>
+        <p:nvPr/>
+      </p:nvGrpSpPr>
+      <p:grpSpPr>
+        <a:xfrm>
+          <a:off x="0" y="0"/>
+          <a:ext cx="0" cy="0"/>
+          <a:chOff x="0" y="0"/>
+          <a:chExt cx="0" cy="0"/>
+        </a:xfrm>
+      </p:grpSpPr>
+      <p:graphicFrame>
+        <p:nvGraphicFramePr>
+          <p:cNvPr id="4" name="차트 3">
+            <a:extLst>
+              <a:ext uri="{FF2B5EF4-FFF2-40B4-BE49-F238E27FC236}">
+                <a16:creationId xmlns:a16="http://schemas.microsoft.com/office/drawing/2014/main" id="{542AE3C3-955D-CD86-9BB8-318CB2336BA4}"/>
+              </a:ext>
+            </a:extLst>
+          </p:cNvPr>
+          <p:cNvGraphicFramePr/>
+          <p:nvPr>
+            <p:extLst>
+              <p:ext uri="{D42A27DB-BD31-4B8C-83A1-F6EECF244321}">
+                <p14:modId xmlns:p14="http://schemas.microsoft.com/office/powerpoint/2010/main" val="684493733"/>
+              </p:ext>
+            </p:extLst>
+          </p:nvPr>
+        </p:nvGraphicFramePr>
+        <p:xfrm>
+          <a:off x="849855" y="2436396"/>
+          <a:ext cx="5388520" cy="3560720"/>
+        </p:xfrm>
+        <a:graphic>
+          <a:graphicData uri="http://schemas.openxmlformats.org/drawingml/2006/chart">
+            <c:chart xmlns:c="http://schemas.openxmlformats.org/drawingml/2006/chart" xmlns:r="http://schemas.openxmlformats.org/officeDocument/2006/relationships" r:id="rId2"/>
+          </a:graphicData>
+        </a:graphic>
+      </p:graphicFrame>
+      <p:sp>
+        <p:nvSpPr>
+          <p:cNvPr id="5" name="TextBox 4">
+            <a:extLst>
+              <a:ext uri="{FF2B5EF4-FFF2-40B4-BE49-F238E27FC236}">
+                <a16:creationId xmlns:a16="http://schemas.microsoft.com/office/drawing/2014/main" id="{46AD0F06-C07A-90AB-BC98-7A52C8DDEAFE}"/>
+              </a:ext>
+            </a:extLst>
+          </p:cNvPr>
+          <p:cNvSpPr txBox="1"/>
+          <p:nvPr/>
+        </p:nvSpPr>
+        <p:spPr>
+          <a:xfrm>
+            <a:off x="2323104" y="5978443"/>
+            <a:ext cx="2681863" cy="261610"/>
+          </a:xfrm>
+          <a:prstGeom prst="rect">
+            <a:avLst/>
+          </a:prstGeom>
+          <a:noFill/>
+        </p:spPr>
+        <p:txBody>
+          <a:bodyPr wrap="square" rtlCol="0">
+            <a:spAutoFit/>
+          </a:bodyPr>
+          <a:lstStyle/>
+          <a:p>
+            <a:pPr algn="ctr"/>
+            <a:r>
+              <a:rPr lang="en-US" altLang="ko-KR" sz="1100" dirty="0">
+                <a:latin typeface="에스코어 드림 4 Regular" panose="020B0503030302020204" pitchFamily="34" charset="-127"/>
+                <a:ea typeface="에스코어 드림 4 Regular" panose="020B0503030302020204" pitchFamily="34" charset="-127"/>
+                <a:cs typeface="Microsoft GothicNeo" panose="020B0500000101010101" pitchFamily="50" charset="-127"/>
+              </a:rPr>
+              <a:t>RYZEN 5600X / 32GB / RTX 3070</a:t>
+            </a:r>
+            <a:endParaRPr lang="ko-KR" altLang="en-US" sz="1100" dirty="0">
+              <a:latin typeface="에스코어 드림 4 Regular" panose="020B0503030302020204" pitchFamily="34" charset="-127"/>
+              <a:ea typeface="에스코어 드림 4 Regular" panose="020B0503030302020204" pitchFamily="34" charset="-127"/>
+              <a:cs typeface="Microsoft GothicNeo" panose="020B0500000101010101" pitchFamily="50" charset="-127"/>
+            </a:endParaRPr>
+          </a:p>
+        </p:txBody>
+      </p:sp>
+      <p:sp>
+        <p:nvSpPr>
+          <p:cNvPr id="6" name="화살표: 오른쪽 5">
+            <a:extLst>
+              <a:ext uri="{FF2B5EF4-FFF2-40B4-BE49-F238E27FC236}">
+                <a16:creationId xmlns:a16="http://schemas.microsoft.com/office/drawing/2014/main" id="{5C5AE2CB-7EE3-0C19-D6D8-2179BDC46110}"/>
+              </a:ext>
+            </a:extLst>
+          </p:cNvPr>
+          <p:cNvSpPr/>
+          <p:nvPr/>
+        </p:nvSpPr>
+        <p:spPr>
+          <a:xfrm rot="19800000">
+            <a:off x="2879246" y="3905669"/>
+            <a:ext cx="742578" cy="367819"/>
+          </a:xfrm>
+          <a:prstGeom prst="rightArrow">
+            <a:avLst/>
+          </a:prstGeom>
+          <a:solidFill>
+            <a:srgbClr val="A9D18E"/>
+          </a:solidFill>
+          <a:ln>
+            <a:noFill/>
+          </a:ln>
+        </p:spPr>
+        <p:style>
+          <a:lnRef idx="2">
+            <a:schemeClr val="accent1">
+              <a:shade val="15000"/>
+            </a:schemeClr>
+          </a:lnRef>
+          <a:fillRef idx="1">
+            <a:schemeClr val="accent1"/>
+          </a:fillRef>
+          <a:effectRef idx="0">
+            <a:schemeClr val="accent1"/>
+          </a:effectRef>
+          <a:fontRef idx="minor">
+            <a:schemeClr val="lt1"/>
+          </a:fontRef>
+        </p:style>
+        <p:txBody>
+          <a:bodyPr rtlCol="0" anchor="ctr"/>
+          <a:lstStyle/>
+          <a:p>
+            <a:pPr algn="ctr"/>
+            <a:endParaRPr lang="ko-KR" altLang="en-US"/>
+          </a:p>
+        </p:txBody>
+      </p:sp>
+      <p:sp>
+        <p:nvSpPr>
+          <p:cNvPr id="7" name="TextBox 6">
+            <a:extLst>
+              <a:ext uri="{FF2B5EF4-FFF2-40B4-BE49-F238E27FC236}">
+                <a16:creationId xmlns:a16="http://schemas.microsoft.com/office/drawing/2014/main" id="{0A71ED26-5B20-A4B8-4539-1DBD4C23C445}"/>
+              </a:ext>
+            </a:extLst>
+          </p:cNvPr>
+          <p:cNvSpPr txBox="1"/>
+          <p:nvPr/>
+        </p:nvSpPr>
+        <p:spPr>
+          <a:xfrm>
+            <a:off x="2926903" y="3554230"/>
+            <a:ext cx="601395" cy="261610"/>
+          </a:xfrm>
+          <a:prstGeom prst="rect">
+            <a:avLst/>
+          </a:prstGeom>
+          <a:noFill/>
+        </p:spPr>
+        <p:txBody>
+          <a:bodyPr wrap="square" rtlCol="0">
+            <a:spAutoFit/>
+          </a:bodyPr>
+          <a:lstStyle/>
+          <a:p>
+            <a:pPr algn="ctr"/>
+            <a:r>
+              <a:rPr lang="en-US" altLang="ko-KR" sz="1100" dirty="0">
+                <a:solidFill>
+                  <a:srgbClr val="FF0000"/>
+                </a:solidFill>
+                <a:latin typeface="에스코어 드림 4 Regular" panose="020B0503030302020204" pitchFamily="34" charset="-127"/>
+                <a:ea typeface="에스코어 드림 4 Regular" panose="020B0503030302020204" pitchFamily="34" charset="-127"/>
+                <a:cs typeface="Microsoft GothicNeo" panose="020B0500000101010101" pitchFamily="50" charset="-127"/>
+              </a:rPr>
+              <a:t>41%</a:t>
+            </a:r>
+            <a:endParaRPr lang="ko-KR" altLang="en-US" sz="1100" dirty="0">
+              <a:solidFill>
+                <a:srgbClr val="FF0000"/>
+              </a:solidFill>
+              <a:latin typeface="에스코어 드림 4 Regular" panose="020B0503030302020204" pitchFamily="34" charset="-127"/>
+              <a:ea typeface="에스코어 드림 4 Regular" panose="020B0503030302020204" pitchFamily="34" charset="-127"/>
+              <a:cs typeface="Microsoft GothicNeo" panose="020B0500000101010101" pitchFamily="50" charset="-127"/>
+            </a:endParaRPr>
+          </a:p>
+        </p:txBody>
+      </p:sp>
+      <p:sp>
+        <p:nvSpPr>
+          <p:cNvPr id="8" name="화살표: 오른쪽 7">
+            <a:extLst>
+              <a:ext uri="{FF2B5EF4-FFF2-40B4-BE49-F238E27FC236}">
+                <a16:creationId xmlns:a16="http://schemas.microsoft.com/office/drawing/2014/main" id="{AD0E2607-DE12-22D8-166C-6A14DB53B9B5}"/>
+              </a:ext>
+            </a:extLst>
+          </p:cNvPr>
+          <p:cNvSpPr/>
+          <p:nvPr/>
+        </p:nvSpPr>
+        <p:spPr>
+          <a:xfrm rot="18900000">
+            <a:off x="4314412" y="3239345"/>
+            <a:ext cx="742578" cy="367819"/>
+          </a:xfrm>
+          <a:prstGeom prst="rightArrow">
+            <a:avLst/>
+          </a:prstGeom>
+          <a:solidFill>
+            <a:srgbClr val="A9D18E"/>
+          </a:solidFill>
+          <a:ln>
+            <a:noFill/>
+          </a:ln>
+        </p:spPr>
+        <p:style>
+          <a:lnRef idx="2">
+            <a:schemeClr val="accent1">
+              <a:shade val="15000"/>
+            </a:schemeClr>
+          </a:lnRef>
+          <a:fillRef idx="1">
+            <a:schemeClr val="accent1"/>
+          </a:fillRef>
+          <a:effectRef idx="0">
+            <a:schemeClr val="accent1"/>
+          </a:effectRef>
+          <a:fontRef idx="minor">
+            <a:schemeClr val="lt1"/>
+          </a:fontRef>
+        </p:style>
+        <p:txBody>
+          <a:bodyPr rtlCol="0" anchor="ctr"/>
+          <a:lstStyle/>
+          <a:p>
+            <a:pPr algn="ctr"/>
+            <a:endParaRPr lang="ko-KR" altLang="en-US"/>
+          </a:p>
+        </p:txBody>
+      </p:sp>
+      <p:sp>
+        <p:nvSpPr>
+          <p:cNvPr id="9" name="TextBox 8">
+            <a:extLst>
+              <a:ext uri="{FF2B5EF4-FFF2-40B4-BE49-F238E27FC236}">
+                <a16:creationId xmlns:a16="http://schemas.microsoft.com/office/drawing/2014/main" id="{9ADDB73A-9F66-B3A4-2EF4-ABDD1108D525}"/>
+              </a:ext>
+            </a:extLst>
+          </p:cNvPr>
+          <p:cNvSpPr txBox="1"/>
+          <p:nvPr/>
+        </p:nvSpPr>
+        <p:spPr>
+          <a:xfrm>
+            <a:off x="4293116" y="2899864"/>
+            <a:ext cx="601395" cy="261610"/>
+          </a:xfrm>
+          <a:prstGeom prst="rect">
+            <a:avLst/>
+          </a:prstGeom>
+          <a:noFill/>
+        </p:spPr>
+        <p:txBody>
+          <a:bodyPr wrap="square" rtlCol="0">
+            <a:spAutoFit/>
+          </a:bodyPr>
+          <a:lstStyle/>
+          <a:p>
+            <a:pPr algn="ctr"/>
+            <a:r>
+              <a:rPr lang="en-US" altLang="ko-KR" sz="1100" dirty="0">
+                <a:solidFill>
+                  <a:srgbClr val="FF0000"/>
+                </a:solidFill>
+                <a:latin typeface="에스코어 드림 4 Regular" panose="020B0503030302020204" pitchFamily="34" charset="-127"/>
+                <a:ea typeface="에스코어 드림 4 Regular" panose="020B0503030302020204" pitchFamily="34" charset="-127"/>
+                <a:cs typeface="Microsoft GothicNeo" panose="020B0500000101010101" pitchFamily="50" charset="-127"/>
+              </a:rPr>
+              <a:t>55%</a:t>
+            </a:r>
+            <a:endParaRPr lang="ko-KR" altLang="en-US" sz="1100" dirty="0">
+              <a:solidFill>
+                <a:srgbClr val="FF0000"/>
+              </a:solidFill>
+              <a:latin typeface="에스코어 드림 4 Regular" panose="020B0503030302020204" pitchFamily="34" charset="-127"/>
+              <a:ea typeface="에스코어 드림 4 Regular" panose="020B0503030302020204" pitchFamily="34" charset="-127"/>
+              <a:cs typeface="Microsoft GothicNeo" panose="020B0500000101010101" pitchFamily="50" charset="-127"/>
+            </a:endParaRPr>
+          </a:p>
+        </p:txBody>
+      </p:sp>
+    </p:spTree>
+    <p:extLst>
+      <p:ext uri="{BB962C8B-B14F-4D97-AF65-F5344CB8AC3E}">
+        <p14:creationId xmlns:p14="http://schemas.microsoft.com/office/powerpoint/2010/main" val="1666253228"/>
+      </p:ext>
+    </p:extLst>
+  </p:cSld>
+  <p:clrMapOvr>
+    <a:masterClrMapping/>
+  </p:clrMapOvr>
+</p:sld>
+</file>
+
 <file path=ppt/theme/theme1.xml><?xml version="1.0" encoding="utf-8"?>
 <a:theme xmlns:a="http://schemas.openxmlformats.org/drawingml/2006/main" name="Office 테마">
   <a:themeElements>
